--- a/Projects/Nozzle_Optimization/Experimental Solid Rocket Nozzle.pptx
+++ b/Projects/Nozzle_Optimization/Experimental Solid Rocket Nozzle.pptx
@@ -11,6 +11,10 @@
     <p:sldId id="259" r:id="rId5"/>
     <p:sldId id="260" r:id="rId6"/>
     <p:sldId id="261" r:id="rId7"/>
+    <p:sldId id="262" r:id="rId8"/>
+    <p:sldId id="263" r:id="rId9"/>
+    <p:sldId id="265" r:id="rId10"/>
+    <p:sldId id="264" r:id="rId11"/>
   </p:sldIdLst>
   <p:sldSz cx="12192000" cy="6858000"/>
   <p:notesSz cx="6858000" cy="9144000"/>
@@ -124,6 +128,14 @@
             <p14:sldId id="259"/>
             <p14:sldId id="260"/>
             <p14:sldId id="261"/>
+            <p14:sldId id="262"/>
+            <p14:sldId id="263"/>
+          </p14:sldIdLst>
+        </p14:section>
+        <p14:section name="BACKUP" id="{5AAD24C2-AA39-450A-A5F9-3F5F1AE09E4A}">
+          <p14:sldIdLst>
+            <p14:sldId id="265"/>
+            <p14:sldId id="264"/>
           </p14:sldIdLst>
         </p14:section>
       </p14:sectionLst>
@@ -295,7 +307,7 @@
           <a:p>
             <a:fld id="{F1C5A9EC-1A78-48EA-A81E-7F2EA17A58B2}" type="datetimeFigureOut">
               <a:rPr lang="en-US" smtClean="0"/>
-              <a:t>10/27/2016</a:t>
+              <a:t>10/31/2016</a:t>
             </a:fld>
             <a:endParaRPr lang="en-US"/>
           </a:p>
@@ -388,6 +400,66 @@
           </a:p>
         </p:txBody>
       </p:sp>
+      <p:pic>
+        <p:nvPicPr>
+          <p:cNvPr id="9" name="Picture 8"/>
+          <p:cNvPicPr>
+            <a:picLocks noChangeAspect="1"/>
+          </p:cNvPicPr>
+          <p:nvPr userDrawn="1"/>
+        </p:nvPicPr>
+        <p:blipFill>
+          <a:blip r:embed="rId3">
+            <a:extLst>
+              <a:ext uri="{28A0092B-C50C-407E-A947-70E740481C1C}">
+                <a14:useLocalDpi xmlns:a14="http://schemas.microsoft.com/office/drawing/2010/main" val="0"/>
+              </a:ext>
+            </a:extLst>
+          </a:blip>
+          <a:stretch>
+            <a:fillRect/>
+          </a:stretch>
+        </p:blipFill>
+        <p:spPr>
+          <a:xfrm>
+            <a:off x="10767261" y="3959225"/>
+            <a:ext cx="876300" cy="876300"/>
+          </a:xfrm>
+          <a:prstGeom prst="rect">
+            <a:avLst/>
+          </a:prstGeom>
+        </p:spPr>
+      </p:pic>
+      <p:pic>
+        <p:nvPicPr>
+          <p:cNvPr id="11" name="Picture 10"/>
+          <p:cNvPicPr>
+            <a:picLocks noChangeAspect="1"/>
+          </p:cNvPicPr>
+          <p:nvPr userDrawn="1"/>
+        </p:nvPicPr>
+        <p:blipFill>
+          <a:blip r:embed="rId4">
+            <a:extLst>
+              <a:ext uri="{28A0092B-C50C-407E-A947-70E740481C1C}">
+                <a14:useLocalDpi xmlns:a14="http://schemas.microsoft.com/office/drawing/2010/main" val="0"/>
+              </a:ext>
+            </a:extLst>
+          </a:blip>
+          <a:stretch>
+            <a:fillRect/>
+          </a:stretch>
+        </p:blipFill>
+        <p:spPr>
+          <a:xfrm>
+            <a:off x="670373" y="4088086"/>
+            <a:ext cx="2222759" cy="520427"/>
+          </a:xfrm>
+          <a:prstGeom prst="rect">
+            <a:avLst/>
+          </a:prstGeom>
+        </p:spPr>
+      </p:pic>
     </p:spTree>
     <p:extLst>
       <p:ext uri="{BB962C8B-B14F-4D97-AF65-F5344CB8AC3E}">
@@ -508,7 +580,7 @@
           <a:p>
             <a:fld id="{F1C5A9EC-1A78-48EA-A81E-7F2EA17A58B2}" type="datetimeFigureOut">
               <a:rPr lang="en-US" smtClean="0"/>
-              <a:t>10/27/2016</a:t>
+              <a:t>10/31/2016</a:t>
             </a:fld>
             <a:endParaRPr lang="en-US"/>
           </a:p>
@@ -686,7 +758,7 @@
           <a:p>
             <a:fld id="{F1C5A9EC-1A78-48EA-A81E-7F2EA17A58B2}" type="datetimeFigureOut">
               <a:rPr lang="en-US" smtClean="0"/>
-              <a:t>10/27/2016</a:t>
+              <a:t>10/31/2016</a:t>
             </a:fld>
             <a:endParaRPr lang="en-US"/>
           </a:p>
@@ -856,7 +928,7 @@
           <a:p>
             <a:fld id="{F1C5A9EC-1A78-48EA-A81E-7F2EA17A58B2}" type="datetimeFigureOut">
               <a:rPr lang="en-US" smtClean="0"/>
-              <a:t>10/27/2016</a:t>
+              <a:t>10/31/2016</a:t>
             </a:fld>
             <a:endParaRPr lang="en-US"/>
           </a:p>
@@ -1101,7 +1173,7 @@
           <a:p>
             <a:fld id="{F1C5A9EC-1A78-48EA-A81E-7F2EA17A58B2}" type="datetimeFigureOut">
               <a:rPr lang="en-US" smtClean="0"/>
-              <a:t>10/27/2016</a:t>
+              <a:t>10/31/2016</a:t>
             </a:fld>
             <a:endParaRPr lang="en-US"/>
           </a:p>
@@ -1330,7 +1402,7 @@
           <a:p>
             <a:fld id="{F1C5A9EC-1A78-48EA-A81E-7F2EA17A58B2}" type="datetimeFigureOut">
               <a:rPr lang="en-US" smtClean="0"/>
-              <a:t>10/27/2016</a:t>
+              <a:t>10/31/2016</a:t>
             </a:fld>
             <a:endParaRPr lang="en-US"/>
           </a:p>
@@ -1694,7 +1766,7 @@
           <a:p>
             <a:fld id="{F1C5A9EC-1A78-48EA-A81E-7F2EA17A58B2}" type="datetimeFigureOut">
               <a:rPr lang="en-US" smtClean="0"/>
-              <a:t>10/27/2016</a:t>
+              <a:t>10/31/2016</a:t>
             </a:fld>
             <a:endParaRPr lang="en-US"/>
           </a:p>
@@ -1811,7 +1883,7 @@
           <a:p>
             <a:fld id="{F1C5A9EC-1A78-48EA-A81E-7F2EA17A58B2}" type="datetimeFigureOut">
               <a:rPr lang="en-US" smtClean="0"/>
-              <a:t>10/27/2016</a:t>
+              <a:t>10/31/2016</a:t>
             </a:fld>
             <a:endParaRPr lang="en-US"/>
           </a:p>
@@ -1906,7 +1978,7 @@
           <a:p>
             <a:fld id="{F1C5A9EC-1A78-48EA-A81E-7F2EA17A58B2}" type="datetimeFigureOut">
               <a:rPr lang="en-US" smtClean="0"/>
-              <a:t>10/27/2016</a:t>
+              <a:t>10/31/2016</a:t>
             </a:fld>
             <a:endParaRPr lang="en-US"/>
           </a:p>
@@ -2181,7 +2253,7 @@
           <a:p>
             <a:fld id="{F1C5A9EC-1A78-48EA-A81E-7F2EA17A58B2}" type="datetimeFigureOut">
               <a:rPr lang="en-US" smtClean="0"/>
-              <a:t>10/27/2016</a:t>
+              <a:t>10/31/2016</a:t>
             </a:fld>
             <a:endParaRPr lang="en-US"/>
           </a:p>
@@ -2436,7 +2508,7 @@
           <a:p>
             <a:fld id="{F1C5A9EC-1A78-48EA-A81E-7F2EA17A58B2}" type="datetimeFigureOut">
               <a:rPr lang="en-US" smtClean="0"/>
-              <a:t>10/27/2016</a:t>
+              <a:t>10/31/2016</a:t>
             </a:fld>
             <a:endParaRPr lang="en-US"/>
           </a:p>
@@ -3155,7 +3227,7 @@
         </p:nvSpPr>
         <p:spPr>
           <a:xfrm>
-            <a:off x="1524000" y="4217858"/>
+            <a:off x="1524000" y="3509963"/>
             <a:ext cx="9144000" cy="484770"/>
           </a:xfrm>
         </p:spPr>
@@ -3180,6 +3252,74 @@
     <p:extLst>
       <p:ext uri="{BB962C8B-B14F-4D97-AF65-F5344CB8AC3E}">
         <p14:creationId xmlns:p14="http://schemas.microsoft.com/office/powerpoint/2010/main" val="1154306125"/>
+      </p:ext>
+    </p:extLst>
+  </p:cSld>
+  <p:clrMapOvr>
+    <a:masterClrMapping/>
+  </p:clrMapOvr>
+</p:sld>
+</file>
+
+<file path=ppt/slides/slide10.xml><?xml version="1.0" encoding="utf-8"?>
+<p:sld xmlns:a="http://schemas.openxmlformats.org/drawingml/2006/main" xmlns:r="http://schemas.openxmlformats.org/officeDocument/2006/relationships" xmlns:p="http://schemas.openxmlformats.org/presentationml/2006/main">
+  <p:cSld>
+    <p:spTree>
+      <p:nvGrpSpPr>
+        <p:cNvPr id="1" name=""/>
+        <p:cNvGrpSpPr/>
+        <p:nvPr/>
+      </p:nvGrpSpPr>
+      <p:grpSpPr>
+        <a:xfrm>
+          <a:off x="0" y="0"/>
+          <a:ext cx="0" cy="0"/>
+          <a:chOff x="0" y="0"/>
+          <a:chExt cx="0" cy="0"/>
+        </a:xfrm>
+      </p:grpSpPr>
+      <p:sp>
+        <p:nvSpPr>
+          <p:cNvPr id="2" name="Title 1"/>
+          <p:cNvSpPr>
+            <a:spLocks noGrp="1"/>
+          </p:cNvSpPr>
+          <p:nvPr>
+            <p:ph type="title"/>
+          </p:nvPr>
+        </p:nvSpPr>
+        <p:spPr/>
+        <p:txBody>
+          <a:bodyPr/>
+          <a:lstStyle/>
+          <a:p>
+            <a:endParaRPr lang="en-US" dirty="0"/>
+          </a:p>
+        </p:txBody>
+      </p:sp>
+      <p:sp>
+        <p:nvSpPr>
+          <p:cNvPr id="3" name="Content Placeholder 2"/>
+          <p:cNvSpPr>
+            <a:spLocks noGrp="1"/>
+          </p:cNvSpPr>
+          <p:nvPr>
+            <p:ph idx="1"/>
+          </p:nvPr>
+        </p:nvSpPr>
+        <p:spPr/>
+        <p:txBody>
+          <a:bodyPr/>
+          <a:lstStyle/>
+          <a:p>
+            <a:endParaRPr lang="en-US"/>
+          </a:p>
+        </p:txBody>
+      </p:sp>
+    </p:spTree>
+    <p:extLst>
+      <p:ext uri="{BB962C8B-B14F-4D97-AF65-F5344CB8AC3E}">
+        <p14:creationId xmlns:p14="http://schemas.microsoft.com/office/powerpoint/2010/main" val="456507059"/>
       </p:ext>
     </p:extLst>
   </p:cSld>
@@ -3216,7 +3356,12 @@
             <p:ph type="title"/>
           </p:nvPr>
         </p:nvSpPr>
-        <p:spPr/>
+        <p:spPr>
+          <a:xfrm>
+            <a:off x="838200" y="365126"/>
+            <a:ext cx="10515600" cy="982412"/>
+          </a:xfrm>
+        </p:spPr>
         <p:txBody>
           <a:bodyPr/>
           <a:lstStyle/>
@@ -3240,8 +3385,8 @@
         </p:nvSpPr>
         <p:spPr>
           <a:xfrm>
-            <a:off x="838200" y="1825625"/>
-            <a:ext cx="10515600" cy="3875379"/>
+            <a:off x="838200" y="1347537"/>
+            <a:ext cx="10515600" cy="4353467"/>
           </a:xfrm>
         </p:spPr>
         <p:txBody>
@@ -3250,7 +3395,7 @@
           <a:p>
             <a:r>
               <a:rPr lang="en-US" dirty="0"/>
-              <a:t>Q-motor Vehicle Overview</a:t>
+              <a:t>Vehicle Overview</a:t>
             </a:r>
           </a:p>
           <a:p>
@@ -3318,37 +3463,969 @@
             <p:ph type="title"/>
           </p:nvPr>
         </p:nvSpPr>
-        <p:spPr/>
+        <p:spPr>
+          <a:xfrm>
+            <a:off x="838200" y="365125"/>
+            <a:ext cx="10515600" cy="815405"/>
+          </a:xfrm>
+        </p:spPr>
         <p:txBody>
           <a:bodyPr/>
           <a:lstStyle/>
           <a:p>
             <a:r>
               <a:rPr lang="en-US" dirty="0"/>
-              <a:t>Q-motor Vehicle Overview</a:t>
-            </a:r>
-          </a:p>
-        </p:txBody>
-      </p:sp>
-      <p:sp>
-        <p:nvSpPr>
-          <p:cNvPr id="3" name="Content Placeholder 2"/>
-          <p:cNvSpPr>
-            <a:spLocks noGrp="1"/>
-          </p:cNvSpPr>
+              <a:t>Vehicle Overview (</a:t>
+            </a:r>
+            <a:r>
+              <a:rPr lang="en-US"/>
+              <a:t>Major Components)</a:t>
+            </a:r>
+            <a:endParaRPr lang="en-US" dirty="0"/>
+          </a:p>
+        </p:txBody>
+      </p:sp>
+      <p:pic>
+        <p:nvPicPr>
+          <p:cNvPr id="4" name="Content Placeholder 3"/>
+          <p:cNvPicPr>
+            <a:picLocks noGrp="1" noChangeAspect="1"/>
+          </p:cNvPicPr>
           <p:nvPr>
             <p:ph idx="1"/>
           </p:nvPr>
-        </p:nvSpPr>
-        <p:spPr/>
-        <p:txBody>
-          <a:bodyPr/>
-          <a:lstStyle/>
-          <a:p>
+        </p:nvPicPr>
+        <p:blipFill>
+          <a:blip r:embed="rId2"/>
+          <a:stretch>
+            <a:fillRect/>
+          </a:stretch>
+        </p:blipFill>
+        <p:spPr>
+          <a:xfrm>
+            <a:off x="838200" y="1781915"/>
+            <a:ext cx="10515600" cy="1221199"/>
+          </a:xfrm>
+          <a:prstGeom prst="rect">
+            <a:avLst/>
+          </a:prstGeom>
+        </p:spPr>
+      </p:pic>
+      <p:sp>
+        <p:nvSpPr>
+          <p:cNvPr id="5" name="TextBox 4"/>
+          <p:cNvSpPr txBox="1"/>
+          <p:nvPr/>
+        </p:nvSpPr>
+        <p:spPr>
+          <a:xfrm>
+            <a:off x="7704540" y="3170515"/>
+            <a:ext cx="1362874" cy="369332"/>
+          </a:xfrm>
+          <a:prstGeom prst="rect">
+            <a:avLst/>
+          </a:prstGeom>
+          <a:noFill/>
+        </p:spPr>
+        <p:txBody>
+          <a:bodyPr wrap="none" rtlCol="0">
+            <a:spAutoFit/>
+          </a:bodyPr>
+          <a:lstStyle/>
+          <a:p>
+            <a:r>
+              <a:rPr lang="en-US" dirty="0"/>
+              <a:t>BATES grains</a:t>
+            </a:r>
+          </a:p>
+        </p:txBody>
+      </p:sp>
+      <p:sp>
+        <p:nvSpPr>
+          <p:cNvPr id="6" name="TextBox 5"/>
+          <p:cNvSpPr txBox="1"/>
+          <p:nvPr/>
+        </p:nvSpPr>
+        <p:spPr>
+          <a:xfrm>
+            <a:off x="10102515" y="3491075"/>
+            <a:ext cx="1619995" cy="369332"/>
+          </a:xfrm>
+          <a:prstGeom prst="rect">
+            <a:avLst/>
+          </a:prstGeom>
+          <a:noFill/>
+        </p:spPr>
+        <p:txBody>
+          <a:bodyPr wrap="none" rtlCol="0">
+            <a:spAutoFit/>
+          </a:bodyPr>
+          <a:lstStyle/>
+          <a:p>
+            <a:r>
+              <a:rPr lang="en-US" dirty="0"/>
+              <a:t>Ablative Nozzle</a:t>
+            </a:r>
+          </a:p>
+        </p:txBody>
+      </p:sp>
+      <p:sp>
+        <p:nvSpPr>
+          <p:cNvPr id="7" name="TextBox 6"/>
+          <p:cNvSpPr txBox="1"/>
+          <p:nvPr/>
+        </p:nvSpPr>
+        <p:spPr>
+          <a:xfrm>
+            <a:off x="3740852" y="3491075"/>
+            <a:ext cx="1686359" cy="369332"/>
+          </a:xfrm>
+          <a:prstGeom prst="rect">
+            <a:avLst/>
+          </a:prstGeom>
+          <a:noFill/>
+        </p:spPr>
+        <p:txBody>
+          <a:bodyPr wrap="none" rtlCol="0">
+            <a:spAutoFit/>
+          </a:bodyPr>
+          <a:lstStyle/>
+          <a:p>
+            <a:r>
+              <a:rPr lang="en-US" dirty="0"/>
+              <a:t>Section Adapter</a:t>
+            </a:r>
+          </a:p>
+        </p:txBody>
+      </p:sp>
+      <p:sp>
+        <p:nvSpPr>
+          <p:cNvPr id="8" name="TextBox 7"/>
+          <p:cNvSpPr txBox="1"/>
+          <p:nvPr/>
+        </p:nvSpPr>
+        <p:spPr>
+          <a:xfrm>
+            <a:off x="834937" y="3083092"/>
+            <a:ext cx="1155290" cy="369332"/>
+          </a:xfrm>
+          <a:prstGeom prst="rect">
+            <a:avLst/>
+          </a:prstGeom>
+          <a:noFill/>
+        </p:spPr>
+        <p:txBody>
+          <a:bodyPr wrap="square" rtlCol="0">
+            <a:spAutoFit/>
+          </a:bodyPr>
+          <a:lstStyle/>
+          <a:p>
+            <a:r>
+              <a:rPr lang="en-US" dirty="0"/>
+              <a:t>Nosecone</a:t>
+            </a:r>
+          </a:p>
+        </p:txBody>
+      </p:sp>
+      <p:cxnSp>
+        <p:nvCxnSpPr>
+          <p:cNvPr id="10" name="Straight Arrow Connector 9"/>
+          <p:cNvCxnSpPr>
+            <a:stCxn id="6" idx="0"/>
+          </p:cNvCxnSpPr>
+          <p:nvPr/>
+        </p:nvCxnSpPr>
+        <p:spPr>
+          <a:xfrm flipH="1" flipV="1">
+            <a:off x="10912512" y="2626337"/>
+            <a:ext cx="1" cy="864738"/>
+          </a:xfrm>
+          <a:prstGeom prst="straightConnector1">
+            <a:avLst/>
+          </a:prstGeom>
+          <a:ln w="38100">
+            <a:solidFill>
+              <a:srgbClr val="FF0000"/>
+            </a:solidFill>
+            <a:tailEnd type="triangle"/>
+          </a:ln>
+        </p:spPr>
+        <p:style>
+          <a:lnRef idx="1">
+            <a:schemeClr val="accent1"/>
+          </a:lnRef>
+          <a:fillRef idx="0">
+            <a:schemeClr val="accent1"/>
+          </a:fillRef>
+          <a:effectRef idx="0">
+            <a:schemeClr val="accent1"/>
+          </a:effectRef>
+          <a:fontRef idx="minor">
+            <a:schemeClr val="tx1"/>
+          </a:fontRef>
+        </p:style>
+      </p:cxnSp>
+      <p:cxnSp>
+        <p:nvCxnSpPr>
+          <p:cNvPr id="12" name="Straight Arrow Connector 11"/>
+          <p:cNvCxnSpPr/>
+          <p:nvPr/>
+        </p:nvCxnSpPr>
+        <p:spPr>
+          <a:xfrm flipV="1">
+            <a:off x="4609846" y="2626337"/>
+            <a:ext cx="491543" cy="913510"/>
+          </a:xfrm>
+          <a:prstGeom prst="straightConnector1">
+            <a:avLst/>
+          </a:prstGeom>
+          <a:ln w="38100">
+            <a:solidFill>
+              <a:srgbClr val="FF0000"/>
+            </a:solidFill>
+            <a:tailEnd type="triangle"/>
+          </a:ln>
+        </p:spPr>
+        <p:style>
+          <a:lnRef idx="1">
+            <a:schemeClr val="accent1"/>
+          </a:lnRef>
+          <a:fillRef idx="0">
+            <a:schemeClr val="accent1"/>
+          </a:fillRef>
+          <a:effectRef idx="0">
+            <a:schemeClr val="accent1"/>
+          </a:effectRef>
+          <a:fontRef idx="minor">
+            <a:schemeClr val="tx1"/>
+          </a:fontRef>
+        </p:style>
+      </p:cxnSp>
+      <p:sp>
+        <p:nvSpPr>
+          <p:cNvPr id="16" name="Right Brace 15"/>
+          <p:cNvSpPr/>
+          <p:nvPr/>
+        </p:nvSpPr>
+        <p:spPr>
+          <a:xfrm rot="5400000">
+            <a:off x="8197590" y="600882"/>
+            <a:ext cx="376775" cy="4427689"/>
+          </a:xfrm>
+          <a:prstGeom prst="rightBrace">
+            <a:avLst/>
+          </a:prstGeom>
+          <a:ln w="38100">
+            <a:solidFill>
+              <a:srgbClr val="FF0000"/>
+            </a:solidFill>
+          </a:ln>
+        </p:spPr>
+        <p:style>
+          <a:lnRef idx="1">
+            <a:schemeClr val="accent1"/>
+          </a:lnRef>
+          <a:fillRef idx="0">
+            <a:schemeClr val="accent1"/>
+          </a:fillRef>
+          <a:effectRef idx="0">
+            <a:schemeClr val="accent1"/>
+          </a:effectRef>
+          <a:fontRef idx="minor">
+            <a:schemeClr val="tx1"/>
+          </a:fontRef>
+        </p:style>
+        <p:txBody>
+          <a:bodyPr rtlCol="0" anchor="ctr"/>
+          <a:lstStyle/>
+          <a:p>
+            <a:pPr algn="ctr"/>
             <a:endParaRPr lang="en-US"/>
           </a:p>
         </p:txBody>
       </p:sp>
+      <p:cxnSp>
+        <p:nvCxnSpPr>
+          <p:cNvPr id="19" name="Straight Arrow Connector 18"/>
+          <p:cNvCxnSpPr>
+            <a:stCxn id="8" idx="0"/>
+          </p:cNvCxnSpPr>
+          <p:nvPr/>
+        </p:nvCxnSpPr>
+        <p:spPr>
+          <a:xfrm flipV="1">
+            <a:off x="1412582" y="2542116"/>
+            <a:ext cx="753102" cy="540976"/>
+          </a:xfrm>
+          <a:prstGeom prst="straightConnector1">
+            <a:avLst/>
+          </a:prstGeom>
+          <a:ln w="38100">
+            <a:solidFill>
+              <a:srgbClr val="FF0000"/>
+            </a:solidFill>
+            <a:tailEnd type="triangle"/>
+          </a:ln>
+        </p:spPr>
+        <p:style>
+          <a:lnRef idx="1">
+            <a:schemeClr val="accent1"/>
+          </a:lnRef>
+          <a:fillRef idx="0">
+            <a:schemeClr val="accent1"/>
+          </a:fillRef>
+          <a:effectRef idx="0">
+            <a:schemeClr val="accent1"/>
+          </a:effectRef>
+          <a:fontRef idx="minor">
+            <a:schemeClr val="tx1"/>
+          </a:fontRef>
+        </p:style>
+      </p:cxnSp>
+      <p:sp>
+        <p:nvSpPr>
+          <p:cNvPr id="20" name="TextBox 19"/>
+          <p:cNvSpPr txBox="1"/>
+          <p:nvPr/>
+        </p:nvSpPr>
+        <p:spPr>
+          <a:xfrm>
+            <a:off x="6172132" y="3911090"/>
+            <a:ext cx="5666941" cy="1754326"/>
+          </a:xfrm>
+          <a:prstGeom prst="rect">
+            <a:avLst/>
+          </a:prstGeom>
+          <a:noFill/>
+        </p:spPr>
+        <p:txBody>
+          <a:bodyPr wrap="square" rtlCol="0">
+            <a:spAutoFit/>
+          </a:bodyPr>
+          <a:lstStyle/>
+          <a:p>
+            <a:r>
+              <a:rPr lang="en-US" b="1" dirty="0"/>
+              <a:t>Propulsion</a:t>
+            </a:r>
+          </a:p>
+          <a:p>
+            <a:pPr marL="285750" indent="-285750">
+              <a:buFont typeface="Arial" panose="020B0604020202020204" pitchFamily="34" charset="0"/>
+              <a:buChar char="•"/>
+            </a:pPr>
+            <a:r>
+              <a:rPr lang="en-US" dirty="0"/>
+              <a:t>Q-Class Motor</a:t>
+            </a:r>
+          </a:p>
+          <a:p>
+            <a:pPr marL="285750" indent="-285750">
+              <a:buFont typeface="Arial" panose="020B0604020202020204" pitchFamily="34" charset="0"/>
+              <a:buChar char="•"/>
+            </a:pPr>
+            <a:r>
+              <a:rPr lang="en-US" dirty="0"/>
+              <a:t>APCP (Aluminum Fuel/Ammonium Perchlorate Oxidizer)</a:t>
+            </a:r>
+          </a:p>
+          <a:p>
+            <a:pPr marL="285750" indent="-285750">
+              <a:buFont typeface="Arial" panose="020B0604020202020204" pitchFamily="34" charset="0"/>
+              <a:buChar char="•"/>
+            </a:pPr>
+            <a:r>
+              <a:rPr lang="en-US" dirty="0" err="1"/>
+              <a:t>Ablatively</a:t>
+            </a:r>
+            <a:r>
+              <a:rPr lang="en-US" dirty="0"/>
+              <a:t> cooled nozzle</a:t>
+            </a:r>
+          </a:p>
+          <a:p>
+            <a:pPr marL="285750" indent="-285750">
+              <a:buFont typeface="Arial" panose="020B0604020202020204" pitchFamily="34" charset="0"/>
+              <a:buChar char="•"/>
+            </a:pPr>
+            <a:r>
+              <a:rPr lang="en-US" dirty="0"/>
+              <a:t>BATES grains</a:t>
+            </a:r>
+          </a:p>
+          <a:p>
+            <a:pPr marL="285750" indent="-285750">
+              <a:buFont typeface="Arial" panose="020B0604020202020204" pitchFamily="34" charset="0"/>
+              <a:buChar char="•"/>
+            </a:pPr>
+            <a:endParaRPr lang="en-US" dirty="0"/>
+          </a:p>
+        </p:txBody>
+      </p:sp>
+      <p:sp>
+        <p:nvSpPr>
+          <p:cNvPr id="21" name="TextBox 20"/>
+          <p:cNvSpPr txBox="1"/>
+          <p:nvPr/>
+        </p:nvSpPr>
+        <p:spPr>
+          <a:xfrm>
+            <a:off x="834937" y="3860407"/>
+            <a:ext cx="4592274" cy="2031325"/>
+          </a:xfrm>
+          <a:prstGeom prst="rect">
+            <a:avLst/>
+          </a:prstGeom>
+          <a:noFill/>
+        </p:spPr>
+        <p:txBody>
+          <a:bodyPr wrap="square" rtlCol="0">
+            <a:spAutoFit/>
+          </a:bodyPr>
+          <a:lstStyle/>
+          <a:p>
+            <a:r>
+              <a:rPr lang="en-US" b="1" dirty="0"/>
+              <a:t>General</a:t>
+            </a:r>
+          </a:p>
+          <a:p>
+            <a:pPr marL="285750" indent="-285750">
+              <a:buFont typeface="Arial" panose="020B0604020202020204" pitchFamily="34" charset="0"/>
+              <a:buChar char="•"/>
+            </a:pPr>
+            <a:r>
+              <a:rPr lang="en-US" dirty="0"/>
+              <a:t>2 piece aluminum airframe</a:t>
+            </a:r>
+          </a:p>
+          <a:p>
+            <a:pPr marL="285750" indent="-285750">
+              <a:buFont typeface="Arial" panose="020B0604020202020204" pitchFamily="34" charset="0"/>
+              <a:buChar char="•"/>
+            </a:pPr>
+            <a:r>
+              <a:rPr lang="en-US" dirty="0"/>
+              <a:t>Aluminum section adapter</a:t>
+            </a:r>
+          </a:p>
+          <a:p>
+            <a:pPr marL="285750" indent="-285750">
+              <a:buFont typeface="Arial" panose="020B0604020202020204" pitchFamily="34" charset="0"/>
+              <a:buChar char="•"/>
+            </a:pPr>
+            <a:r>
+              <a:rPr lang="en-US" dirty="0"/>
+              <a:t>¾ power series nosecone</a:t>
+            </a:r>
+          </a:p>
+          <a:p>
+            <a:pPr marL="285750" indent="-285750">
+              <a:buFont typeface="Arial" panose="020B0604020202020204" pitchFamily="34" charset="0"/>
+              <a:buChar char="•"/>
+            </a:pPr>
+            <a:r>
+              <a:rPr lang="en-US" dirty="0"/>
+              <a:t>Carbon fiber</a:t>
+            </a:r>
+          </a:p>
+          <a:p>
+            <a:pPr marL="285750" indent="-285750">
+              <a:buFont typeface="Arial" panose="020B0604020202020204" pitchFamily="34" charset="0"/>
+              <a:buChar char="•"/>
+            </a:pPr>
+            <a:r>
+              <a:rPr lang="en-US" dirty="0"/>
+              <a:t>Note: Fins still under design review</a:t>
+            </a:r>
+          </a:p>
+          <a:p>
+            <a:pPr marL="285750" indent="-285750">
+              <a:buFont typeface="Arial" panose="020B0604020202020204" pitchFamily="34" charset="0"/>
+              <a:buChar char="•"/>
+            </a:pPr>
+            <a:endParaRPr lang="en-US" dirty="0"/>
+          </a:p>
+        </p:txBody>
+      </p:sp>
+      <p:sp>
+        <p:nvSpPr>
+          <p:cNvPr id="23" name="TextBox 22"/>
+          <p:cNvSpPr txBox="1"/>
+          <p:nvPr/>
+        </p:nvSpPr>
+        <p:spPr>
+          <a:xfrm>
+            <a:off x="8163341" y="1297016"/>
+            <a:ext cx="569387" cy="369332"/>
+          </a:xfrm>
+          <a:prstGeom prst="rect">
+            <a:avLst/>
+          </a:prstGeom>
+          <a:noFill/>
+        </p:spPr>
+        <p:txBody>
+          <a:bodyPr wrap="none" rtlCol="0">
+            <a:spAutoFit/>
+          </a:bodyPr>
+          <a:lstStyle/>
+          <a:p>
+            <a:r>
+              <a:rPr lang="en-US" dirty="0"/>
+              <a:t>7’8”</a:t>
+            </a:r>
+          </a:p>
+        </p:txBody>
+      </p:sp>
+      <p:cxnSp>
+        <p:nvCxnSpPr>
+          <p:cNvPr id="27" name="Straight Connector 26"/>
+          <p:cNvCxnSpPr/>
+          <p:nvPr/>
+        </p:nvCxnSpPr>
+        <p:spPr>
+          <a:xfrm>
+            <a:off x="6172132" y="1364341"/>
+            <a:ext cx="0" cy="776180"/>
+          </a:xfrm>
+          <a:prstGeom prst="line">
+            <a:avLst/>
+          </a:prstGeom>
+          <a:ln w="28575">
+            <a:solidFill>
+              <a:schemeClr val="tx1"/>
+            </a:solidFill>
+          </a:ln>
+        </p:spPr>
+        <p:style>
+          <a:lnRef idx="1">
+            <a:schemeClr val="accent1"/>
+          </a:lnRef>
+          <a:fillRef idx="0">
+            <a:schemeClr val="accent1"/>
+          </a:fillRef>
+          <a:effectRef idx="0">
+            <a:schemeClr val="accent1"/>
+          </a:effectRef>
+          <a:fontRef idx="minor">
+            <a:schemeClr val="tx1"/>
+          </a:fontRef>
+        </p:style>
+      </p:cxnSp>
+      <p:cxnSp>
+        <p:nvCxnSpPr>
+          <p:cNvPr id="30" name="Straight Connector 29"/>
+          <p:cNvCxnSpPr/>
+          <p:nvPr/>
+        </p:nvCxnSpPr>
+        <p:spPr>
+          <a:xfrm>
+            <a:off x="10599822" y="1364341"/>
+            <a:ext cx="7953" cy="776180"/>
+          </a:xfrm>
+          <a:prstGeom prst="line">
+            <a:avLst/>
+          </a:prstGeom>
+          <a:ln w="28575">
+            <a:solidFill>
+              <a:schemeClr val="tx1"/>
+            </a:solidFill>
+          </a:ln>
+        </p:spPr>
+        <p:style>
+          <a:lnRef idx="1">
+            <a:schemeClr val="accent1"/>
+          </a:lnRef>
+          <a:fillRef idx="0">
+            <a:schemeClr val="accent1"/>
+          </a:fillRef>
+          <a:effectRef idx="0">
+            <a:schemeClr val="accent1"/>
+          </a:effectRef>
+          <a:fontRef idx="minor">
+            <a:schemeClr val="tx1"/>
+          </a:fontRef>
+        </p:style>
+      </p:cxnSp>
+      <p:cxnSp>
+        <p:nvCxnSpPr>
+          <p:cNvPr id="34" name="Straight Arrow Connector 33"/>
+          <p:cNvCxnSpPr/>
+          <p:nvPr/>
+        </p:nvCxnSpPr>
+        <p:spPr>
+          <a:xfrm>
+            <a:off x="8783053" y="1481943"/>
+            <a:ext cx="1716120" cy="0"/>
+          </a:xfrm>
+          <a:prstGeom prst="straightConnector1">
+            <a:avLst/>
+          </a:prstGeom>
+          <a:ln w="28575">
+            <a:solidFill>
+              <a:schemeClr val="tx1"/>
+            </a:solidFill>
+            <a:tailEnd type="triangle"/>
+          </a:ln>
+        </p:spPr>
+        <p:style>
+          <a:lnRef idx="1">
+            <a:schemeClr val="accent1"/>
+          </a:lnRef>
+          <a:fillRef idx="0">
+            <a:schemeClr val="accent1"/>
+          </a:fillRef>
+          <a:effectRef idx="0">
+            <a:schemeClr val="accent1"/>
+          </a:effectRef>
+          <a:fontRef idx="minor">
+            <a:schemeClr val="tx1"/>
+          </a:fontRef>
+        </p:style>
+      </p:cxnSp>
+      <p:cxnSp>
+        <p:nvCxnSpPr>
+          <p:cNvPr id="35" name="Straight Arrow Connector 34"/>
+          <p:cNvCxnSpPr/>
+          <p:nvPr/>
+        </p:nvCxnSpPr>
+        <p:spPr>
+          <a:xfrm flipH="1">
+            <a:off x="6256420" y="1496033"/>
+            <a:ext cx="1844863" cy="0"/>
+          </a:xfrm>
+          <a:prstGeom prst="straightConnector1">
+            <a:avLst/>
+          </a:prstGeom>
+          <a:ln w="28575">
+            <a:solidFill>
+              <a:schemeClr val="tx1"/>
+            </a:solidFill>
+            <a:tailEnd type="triangle"/>
+          </a:ln>
+        </p:spPr>
+        <p:style>
+          <a:lnRef idx="1">
+            <a:schemeClr val="accent1"/>
+          </a:lnRef>
+          <a:fillRef idx="0">
+            <a:schemeClr val="accent1"/>
+          </a:fillRef>
+          <a:effectRef idx="0">
+            <a:schemeClr val="accent1"/>
+          </a:effectRef>
+          <a:fontRef idx="minor">
+            <a:schemeClr val="tx1"/>
+          </a:fontRef>
+        </p:style>
+      </p:cxnSp>
+      <p:cxnSp>
+        <p:nvCxnSpPr>
+          <p:cNvPr id="38" name="Straight Connector 37"/>
+          <p:cNvCxnSpPr/>
+          <p:nvPr/>
+        </p:nvCxnSpPr>
+        <p:spPr>
+          <a:xfrm>
+            <a:off x="922354" y="1050649"/>
+            <a:ext cx="0" cy="1221564"/>
+          </a:xfrm>
+          <a:prstGeom prst="line">
+            <a:avLst/>
+          </a:prstGeom>
+          <a:ln w="28575">
+            <a:solidFill>
+              <a:schemeClr val="tx1"/>
+            </a:solidFill>
+          </a:ln>
+        </p:spPr>
+        <p:style>
+          <a:lnRef idx="1">
+            <a:schemeClr val="accent1"/>
+          </a:lnRef>
+          <a:fillRef idx="0">
+            <a:schemeClr val="accent1"/>
+          </a:fillRef>
+          <a:effectRef idx="0">
+            <a:schemeClr val="accent1"/>
+          </a:effectRef>
+          <a:fontRef idx="minor">
+            <a:schemeClr val="tx1"/>
+          </a:fontRef>
+        </p:style>
+      </p:cxnSp>
+      <p:cxnSp>
+        <p:nvCxnSpPr>
+          <p:cNvPr id="40" name="Straight Connector 39"/>
+          <p:cNvCxnSpPr/>
+          <p:nvPr/>
+        </p:nvCxnSpPr>
+        <p:spPr>
+          <a:xfrm>
+            <a:off x="11145184" y="961862"/>
+            <a:ext cx="1" cy="1180941"/>
+          </a:xfrm>
+          <a:prstGeom prst="line">
+            <a:avLst/>
+          </a:prstGeom>
+          <a:ln w="28575">
+            <a:solidFill>
+              <a:schemeClr val="tx1"/>
+            </a:solidFill>
+          </a:ln>
+        </p:spPr>
+        <p:style>
+          <a:lnRef idx="1">
+            <a:schemeClr val="accent1"/>
+          </a:lnRef>
+          <a:fillRef idx="0">
+            <a:schemeClr val="accent1"/>
+          </a:fillRef>
+          <a:effectRef idx="0">
+            <a:schemeClr val="accent1"/>
+          </a:effectRef>
+          <a:fontRef idx="minor">
+            <a:schemeClr val="tx1"/>
+          </a:fontRef>
+        </p:style>
+      </p:cxnSp>
+      <p:sp>
+        <p:nvSpPr>
+          <p:cNvPr id="44" name="TextBox 43"/>
+          <p:cNvSpPr txBox="1"/>
+          <p:nvPr/>
+        </p:nvSpPr>
+        <p:spPr>
+          <a:xfrm>
+            <a:off x="5895406" y="965431"/>
+            <a:ext cx="476412" cy="369332"/>
+          </a:xfrm>
+          <a:prstGeom prst="rect">
+            <a:avLst/>
+          </a:prstGeom>
+          <a:noFill/>
+        </p:spPr>
+        <p:txBody>
+          <a:bodyPr wrap="none" rtlCol="0">
+            <a:spAutoFit/>
+          </a:bodyPr>
+          <a:lstStyle/>
+          <a:p>
+            <a:r>
+              <a:rPr lang="en-US" dirty="0"/>
+              <a:t>16’</a:t>
+            </a:r>
+          </a:p>
+        </p:txBody>
+      </p:sp>
+      <p:cxnSp>
+        <p:nvCxnSpPr>
+          <p:cNvPr id="45" name="Straight Arrow Connector 44"/>
+          <p:cNvCxnSpPr/>
+          <p:nvPr/>
+        </p:nvCxnSpPr>
+        <p:spPr>
+          <a:xfrm flipH="1">
+            <a:off x="1010653" y="1150097"/>
+            <a:ext cx="4884754" cy="30433"/>
+          </a:xfrm>
+          <a:prstGeom prst="straightConnector1">
+            <a:avLst/>
+          </a:prstGeom>
+          <a:ln w="28575">
+            <a:solidFill>
+              <a:schemeClr val="tx1"/>
+            </a:solidFill>
+            <a:tailEnd type="triangle"/>
+          </a:ln>
+        </p:spPr>
+        <p:style>
+          <a:lnRef idx="1">
+            <a:schemeClr val="accent1"/>
+          </a:lnRef>
+          <a:fillRef idx="0">
+            <a:schemeClr val="accent1"/>
+          </a:fillRef>
+          <a:effectRef idx="0">
+            <a:schemeClr val="accent1"/>
+          </a:effectRef>
+          <a:fontRef idx="minor">
+            <a:schemeClr val="tx1"/>
+          </a:fontRef>
+        </p:style>
+      </p:cxnSp>
+      <p:cxnSp>
+        <p:nvCxnSpPr>
+          <p:cNvPr id="47" name="Straight Arrow Connector 46"/>
+          <p:cNvCxnSpPr/>
+          <p:nvPr/>
+        </p:nvCxnSpPr>
+        <p:spPr>
+          <a:xfrm flipV="1">
+            <a:off x="6408835" y="1124791"/>
+            <a:ext cx="4624123" cy="16377"/>
+          </a:xfrm>
+          <a:prstGeom prst="straightConnector1">
+            <a:avLst/>
+          </a:prstGeom>
+          <a:ln w="28575">
+            <a:solidFill>
+              <a:schemeClr val="tx1"/>
+            </a:solidFill>
+            <a:tailEnd type="triangle"/>
+          </a:ln>
+        </p:spPr>
+        <p:style>
+          <a:lnRef idx="1">
+            <a:schemeClr val="accent1"/>
+          </a:lnRef>
+          <a:fillRef idx="0">
+            <a:schemeClr val="accent1"/>
+          </a:fillRef>
+          <a:effectRef idx="0">
+            <a:schemeClr val="accent1"/>
+          </a:effectRef>
+          <a:fontRef idx="minor">
+            <a:schemeClr val="tx1"/>
+          </a:fontRef>
+        </p:style>
+      </p:cxnSp>
+      <p:cxnSp>
+        <p:nvCxnSpPr>
+          <p:cNvPr id="53" name="Straight Arrow Connector 52"/>
+          <p:cNvCxnSpPr/>
+          <p:nvPr/>
+        </p:nvCxnSpPr>
+        <p:spPr>
+          <a:xfrm flipH="1" flipV="1">
+            <a:off x="5895407" y="2653467"/>
+            <a:ext cx="200593" cy="517048"/>
+          </a:xfrm>
+          <a:prstGeom prst="straightConnector1">
+            <a:avLst/>
+          </a:prstGeom>
+          <a:ln w="38100">
+            <a:solidFill>
+              <a:srgbClr val="FF0000"/>
+            </a:solidFill>
+            <a:tailEnd type="triangle"/>
+          </a:ln>
+        </p:spPr>
+        <p:style>
+          <a:lnRef idx="1">
+            <a:schemeClr val="accent1"/>
+          </a:lnRef>
+          <a:fillRef idx="0">
+            <a:schemeClr val="accent1"/>
+          </a:fillRef>
+          <a:effectRef idx="0">
+            <a:schemeClr val="accent1"/>
+          </a:effectRef>
+          <a:fontRef idx="minor">
+            <a:schemeClr val="tx1"/>
+          </a:fontRef>
+        </p:style>
+      </p:cxnSp>
+      <p:sp>
+        <p:nvSpPr>
+          <p:cNvPr id="56" name="TextBox 55"/>
+          <p:cNvSpPr txBox="1"/>
+          <p:nvPr/>
+        </p:nvSpPr>
+        <p:spPr>
+          <a:xfrm>
+            <a:off x="5735441" y="3221198"/>
+            <a:ext cx="873381" cy="369332"/>
+          </a:xfrm>
+          <a:prstGeom prst="rect">
+            <a:avLst/>
+          </a:prstGeom>
+          <a:noFill/>
+        </p:spPr>
+        <p:txBody>
+          <a:bodyPr wrap="none" rtlCol="0">
+            <a:spAutoFit/>
+          </a:bodyPr>
+          <a:lstStyle/>
+          <a:p>
+            <a:r>
+              <a:rPr lang="en-US" dirty="0" err="1"/>
+              <a:t>Avi</a:t>
+            </a:r>
+            <a:r>
+              <a:rPr lang="en-US" dirty="0"/>
+              <a:t>-bay</a:t>
+            </a:r>
+          </a:p>
+        </p:txBody>
+      </p:sp>
+      <p:sp>
+        <p:nvSpPr>
+          <p:cNvPr id="57" name="TextBox 56"/>
+          <p:cNvSpPr txBox="1"/>
+          <p:nvPr/>
+        </p:nvSpPr>
+        <p:spPr>
+          <a:xfrm>
+            <a:off x="2362480" y="3208049"/>
+            <a:ext cx="1812869" cy="369332"/>
+          </a:xfrm>
+          <a:prstGeom prst="rect">
+            <a:avLst/>
+          </a:prstGeom>
+          <a:noFill/>
+        </p:spPr>
+        <p:txBody>
+          <a:bodyPr wrap="none" rtlCol="0">
+            <a:spAutoFit/>
+          </a:bodyPr>
+          <a:lstStyle/>
+          <a:p>
+            <a:r>
+              <a:rPr lang="en-US" dirty="0"/>
+              <a:t>Recovery System</a:t>
+            </a:r>
+          </a:p>
+        </p:txBody>
+      </p:sp>
+      <p:cxnSp>
+        <p:nvCxnSpPr>
+          <p:cNvPr id="58" name="Straight Arrow Connector 57"/>
+          <p:cNvCxnSpPr>
+            <a:stCxn id="57" idx="0"/>
+          </p:cNvCxnSpPr>
+          <p:nvPr/>
+        </p:nvCxnSpPr>
+        <p:spPr>
+          <a:xfrm flipV="1">
+            <a:off x="3268915" y="2574017"/>
+            <a:ext cx="1015109" cy="634032"/>
+          </a:xfrm>
+          <a:prstGeom prst="straightConnector1">
+            <a:avLst/>
+          </a:prstGeom>
+          <a:ln w="38100">
+            <a:solidFill>
+              <a:srgbClr val="FF0000"/>
+            </a:solidFill>
+            <a:tailEnd type="triangle"/>
+          </a:ln>
+        </p:spPr>
+        <p:style>
+          <a:lnRef idx="1">
+            <a:schemeClr val="accent1"/>
+          </a:lnRef>
+          <a:fillRef idx="0">
+            <a:schemeClr val="accent1"/>
+          </a:fillRef>
+          <a:effectRef idx="0">
+            <a:schemeClr val="accent1"/>
+          </a:effectRef>
+          <a:fontRef idx="minor">
+            <a:schemeClr val="tx1"/>
+          </a:fontRef>
+        </p:style>
+      </p:cxnSp>
     </p:spTree>
     <p:extLst>
       <p:ext uri="{BB962C8B-B14F-4D97-AF65-F5344CB8AC3E}">
@@ -3401,22 +4478,401 @@
           </a:p>
         </p:txBody>
       </p:sp>
-      <p:sp>
-        <p:nvSpPr>
-          <p:cNvPr id="3" name="Content Placeholder 2"/>
-          <p:cNvSpPr>
-            <a:spLocks noGrp="1"/>
-          </p:cNvSpPr>
+      <p:pic>
+        <p:nvPicPr>
+          <p:cNvPr id="4" name="Content Placeholder 3"/>
+          <p:cNvPicPr>
+            <a:picLocks noGrp="1" noChangeAspect="1"/>
+          </p:cNvPicPr>
           <p:nvPr>
             <p:ph idx="1"/>
           </p:nvPr>
-        </p:nvSpPr>
-        <p:spPr/>
-        <p:txBody>
-          <a:bodyPr/>
-          <a:lstStyle/>
-          <a:p>
-            <a:endParaRPr lang="en-US"/>
+        </p:nvPicPr>
+        <p:blipFill>
+          <a:blip r:embed="rId2">
+            <a:extLst>
+              <a:ext uri="{28A0092B-C50C-407E-A947-70E740481C1C}">
+                <a14:useLocalDpi xmlns:a14="http://schemas.microsoft.com/office/drawing/2010/main" val="0"/>
+              </a:ext>
+            </a:extLst>
+          </a:blip>
+          <a:stretch>
+            <a:fillRect/>
+          </a:stretch>
+        </p:blipFill>
+        <p:spPr>
+          <a:xfrm>
+            <a:off x="6360945" y="1272172"/>
+            <a:ext cx="3584909" cy="4351338"/>
+          </a:xfrm>
+        </p:spPr>
+      </p:pic>
+      <p:cxnSp>
+        <p:nvCxnSpPr>
+          <p:cNvPr id="6" name="Straight Arrow Connector 5"/>
+          <p:cNvCxnSpPr/>
+          <p:nvPr/>
+        </p:nvCxnSpPr>
+        <p:spPr>
+          <a:xfrm flipV="1">
+            <a:off x="4511842" y="1925054"/>
+            <a:ext cx="2189747" cy="12030"/>
+          </a:xfrm>
+          <a:prstGeom prst="straightConnector1">
+            <a:avLst/>
+          </a:prstGeom>
+          <a:ln w="38100">
+            <a:solidFill>
+              <a:srgbClr val="FF0000"/>
+            </a:solidFill>
+            <a:tailEnd type="triangle"/>
+          </a:ln>
+        </p:spPr>
+        <p:style>
+          <a:lnRef idx="1">
+            <a:schemeClr val="accent1"/>
+          </a:lnRef>
+          <a:fillRef idx="0">
+            <a:schemeClr val="accent1"/>
+          </a:fillRef>
+          <a:effectRef idx="0">
+            <a:schemeClr val="accent1"/>
+          </a:effectRef>
+          <a:fontRef idx="minor">
+            <a:schemeClr val="tx1"/>
+          </a:fontRef>
+        </p:style>
+      </p:cxnSp>
+      <p:sp>
+        <p:nvSpPr>
+          <p:cNvPr id="10" name="TextBox 9"/>
+          <p:cNvSpPr txBox="1"/>
+          <p:nvPr/>
+        </p:nvSpPr>
+        <p:spPr>
+          <a:xfrm>
+            <a:off x="3304928" y="1501728"/>
+            <a:ext cx="1106393" cy="646331"/>
+          </a:xfrm>
+          <a:prstGeom prst="rect">
+            <a:avLst/>
+          </a:prstGeom>
+          <a:noFill/>
+        </p:spPr>
+        <p:txBody>
+          <a:bodyPr wrap="none" rtlCol="0">
+            <a:spAutoFit/>
+          </a:bodyPr>
+          <a:lstStyle/>
+          <a:p>
+            <a:r>
+              <a:rPr lang="en-US" dirty="0"/>
+              <a:t>Phenolic</a:t>
+            </a:r>
+          </a:p>
+          <a:p>
+            <a:r>
+              <a:rPr lang="en-US" dirty="0"/>
+              <a:t>(2-pieces)</a:t>
+            </a:r>
+          </a:p>
+        </p:txBody>
+      </p:sp>
+      <p:sp>
+        <p:nvSpPr>
+          <p:cNvPr id="11" name="TextBox 10"/>
+          <p:cNvSpPr txBox="1"/>
+          <p:nvPr/>
+        </p:nvSpPr>
+        <p:spPr>
+          <a:xfrm>
+            <a:off x="3416968" y="3308684"/>
+            <a:ext cx="2000804" cy="369332"/>
+          </a:xfrm>
+          <a:prstGeom prst="rect">
+            <a:avLst/>
+          </a:prstGeom>
+          <a:noFill/>
+        </p:spPr>
+        <p:txBody>
+          <a:bodyPr wrap="none" rtlCol="0">
+            <a:spAutoFit/>
+          </a:bodyPr>
+          <a:lstStyle/>
+          <a:p>
+            <a:r>
+              <a:rPr lang="en-US" dirty="0"/>
+              <a:t>Aluminum Retainer</a:t>
+            </a:r>
+          </a:p>
+        </p:txBody>
+      </p:sp>
+      <p:sp>
+        <p:nvSpPr>
+          <p:cNvPr id="12" name="TextBox 11"/>
+          <p:cNvSpPr txBox="1"/>
+          <p:nvPr/>
+        </p:nvSpPr>
+        <p:spPr>
+          <a:xfrm>
+            <a:off x="3484625" y="3899817"/>
+            <a:ext cx="1853392" cy="369332"/>
+          </a:xfrm>
+          <a:prstGeom prst="rect">
+            <a:avLst/>
+          </a:prstGeom>
+          <a:noFill/>
+        </p:spPr>
+        <p:txBody>
+          <a:bodyPr wrap="none" rtlCol="0">
+            <a:spAutoFit/>
+          </a:bodyPr>
+          <a:lstStyle/>
+          <a:p>
+            <a:r>
+              <a:rPr lang="en-US" dirty="0"/>
+              <a:t>Aluminum Carrier</a:t>
+            </a:r>
+          </a:p>
+        </p:txBody>
+      </p:sp>
+      <p:cxnSp>
+        <p:nvCxnSpPr>
+          <p:cNvPr id="16" name="Straight Arrow Connector 15"/>
+          <p:cNvCxnSpPr/>
+          <p:nvPr/>
+        </p:nvCxnSpPr>
+        <p:spPr>
+          <a:xfrm>
+            <a:off x="3858125" y="2185555"/>
+            <a:ext cx="3276601" cy="1588727"/>
+          </a:xfrm>
+          <a:prstGeom prst="straightConnector1">
+            <a:avLst/>
+          </a:prstGeom>
+          <a:ln w="38100">
+            <a:solidFill>
+              <a:srgbClr val="FF0000"/>
+            </a:solidFill>
+            <a:tailEnd type="triangle"/>
+          </a:ln>
+        </p:spPr>
+        <p:style>
+          <a:lnRef idx="1">
+            <a:schemeClr val="accent1"/>
+          </a:lnRef>
+          <a:fillRef idx="0">
+            <a:schemeClr val="accent1"/>
+          </a:fillRef>
+          <a:effectRef idx="0">
+            <a:schemeClr val="accent1"/>
+          </a:effectRef>
+          <a:fontRef idx="minor">
+            <a:schemeClr val="tx1"/>
+          </a:fontRef>
+        </p:style>
+      </p:cxnSp>
+      <p:cxnSp>
+        <p:nvCxnSpPr>
+          <p:cNvPr id="19" name="Straight Arrow Connector 18"/>
+          <p:cNvCxnSpPr/>
+          <p:nvPr/>
+        </p:nvCxnSpPr>
+        <p:spPr>
+          <a:xfrm flipV="1">
+            <a:off x="5417772" y="2825461"/>
+            <a:ext cx="1428196" cy="508152"/>
+          </a:xfrm>
+          <a:prstGeom prst="straightConnector1">
+            <a:avLst/>
+          </a:prstGeom>
+          <a:ln w="38100">
+            <a:solidFill>
+              <a:schemeClr val="tx1"/>
+            </a:solidFill>
+            <a:tailEnd type="triangle"/>
+          </a:ln>
+        </p:spPr>
+        <p:style>
+          <a:lnRef idx="1">
+            <a:schemeClr val="accent1"/>
+          </a:lnRef>
+          <a:fillRef idx="0">
+            <a:schemeClr val="accent1"/>
+          </a:fillRef>
+          <a:effectRef idx="0">
+            <a:schemeClr val="accent1"/>
+          </a:effectRef>
+          <a:fontRef idx="minor">
+            <a:schemeClr val="tx1"/>
+          </a:fontRef>
+        </p:style>
+      </p:cxnSp>
+      <p:cxnSp>
+        <p:nvCxnSpPr>
+          <p:cNvPr id="22" name="Straight Arrow Connector 21"/>
+          <p:cNvCxnSpPr>
+            <a:stCxn id="12" idx="3"/>
+          </p:cNvCxnSpPr>
+          <p:nvPr/>
+        </p:nvCxnSpPr>
+        <p:spPr>
+          <a:xfrm>
+            <a:off x="5338017" y="4084483"/>
+            <a:ext cx="1507951" cy="0"/>
+          </a:xfrm>
+          <a:prstGeom prst="straightConnector1">
+            <a:avLst/>
+          </a:prstGeom>
+          <a:ln w="38100">
+            <a:solidFill>
+              <a:schemeClr val="tx1"/>
+            </a:solidFill>
+            <a:tailEnd type="triangle"/>
+          </a:ln>
+        </p:spPr>
+        <p:style>
+          <a:lnRef idx="1">
+            <a:schemeClr val="accent1"/>
+          </a:lnRef>
+          <a:fillRef idx="0">
+            <a:schemeClr val="accent1"/>
+          </a:fillRef>
+          <a:effectRef idx="0">
+            <a:schemeClr val="accent1"/>
+          </a:effectRef>
+          <a:fontRef idx="minor">
+            <a:schemeClr val="tx1"/>
+          </a:fontRef>
+        </p:style>
+      </p:cxnSp>
+      <p:sp>
+        <p:nvSpPr>
+          <p:cNvPr id="27" name="TextBox 26"/>
+          <p:cNvSpPr txBox="1"/>
+          <p:nvPr/>
+        </p:nvSpPr>
+        <p:spPr>
+          <a:xfrm>
+            <a:off x="3532741" y="4616479"/>
+            <a:ext cx="1630575" cy="369332"/>
+          </a:xfrm>
+          <a:prstGeom prst="rect">
+            <a:avLst/>
+          </a:prstGeom>
+          <a:noFill/>
+        </p:spPr>
+        <p:txBody>
+          <a:bodyPr wrap="none" rtlCol="0">
+            <a:spAutoFit/>
+          </a:bodyPr>
+          <a:lstStyle/>
+          <a:p>
+            <a:r>
+              <a:rPr lang="en-US" dirty="0"/>
+              <a:t>Aluminum Skirt</a:t>
+            </a:r>
+          </a:p>
+        </p:txBody>
+      </p:sp>
+      <p:cxnSp>
+        <p:nvCxnSpPr>
+          <p:cNvPr id="28" name="Straight Arrow Connector 27"/>
+          <p:cNvCxnSpPr/>
+          <p:nvPr/>
+        </p:nvCxnSpPr>
+        <p:spPr>
+          <a:xfrm>
+            <a:off x="5201658" y="4801145"/>
+            <a:ext cx="1507951" cy="0"/>
+          </a:xfrm>
+          <a:prstGeom prst="straightConnector1">
+            <a:avLst/>
+          </a:prstGeom>
+          <a:ln w="38100">
+            <a:solidFill>
+              <a:schemeClr val="tx1"/>
+            </a:solidFill>
+            <a:tailEnd type="triangle"/>
+          </a:ln>
+        </p:spPr>
+        <p:style>
+          <a:lnRef idx="1">
+            <a:schemeClr val="accent1"/>
+          </a:lnRef>
+          <a:fillRef idx="0">
+            <a:schemeClr val="accent1"/>
+          </a:fillRef>
+          <a:effectRef idx="0">
+            <a:schemeClr val="accent1"/>
+          </a:effectRef>
+          <a:fontRef idx="minor">
+            <a:schemeClr val="tx1"/>
+          </a:fontRef>
+        </p:style>
+      </p:cxnSp>
+      <p:cxnSp>
+        <p:nvCxnSpPr>
+          <p:cNvPr id="29" name="Straight Arrow Connector 28"/>
+          <p:cNvCxnSpPr/>
+          <p:nvPr/>
+        </p:nvCxnSpPr>
+        <p:spPr>
+          <a:xfrm flipH="1">
+            <a:off x="8686800" y="2597735"/>
+            <a:ext cx="1756611" cy="49212"/>
+          </a:xfrm>
+          <a:prstGeom prst="straightConnector1">
+            <a:avLst/>
+          </a:prstGeom>
+          <a:ln w="38100">
+            <a:solidFill>
+              <a:srgbClr val="FF0000"/>
+            </a:solidFill>
+            <a:tailEnd type="triangle"/>
+          </a:ln>
+        </p:spPr>
+        <p:style>
+          <a:lnRef idx="1">
+            <a:schemeClr val="accent1"/>
+          </a:lnRef>
+          <a:fillRef idx="0">
+            <a:schemeClr val="accent1"/>
+          </a:fillRef>
+          <a:effectRef idx="0">
+            <a:schemeClr val="accent1"/>
+          </a:effectRef>
+          <a:fontRef idx="minor">
+            <a:schemeClr val="tx1"/>
+          </a:fontRef>
+        </p:style>
+      </p:cxnSp>
+      <p:sp>
+        <p:nvSpPr>
+          <p:cNvPr id="32" name="TextBox 31"/>
+          <p:cNvSpPr txBox="1"/>
+          <p:nvPr/>
+        </p:nvSpPr>
+        <p:spPr>
+          <a:xfrm>
+            <a:off x="10173158" y="2148059"/>
+            <a:ext cx="1673600" cy="369332"/>
+          </a:xfrm>
+          <a:prstGeom prst="rect">
+            <a:avLst/>
+          </a:prstGeom>
+          <a:noFill/>
+        </p:spPr>
+        <p:txBody>
+          <a:bodyPr wrap="none" rtlCol="0">
+            <a:spAutoFit/>
+          </a:bodyPr>
+          <a:lstStyle/>
+          <a:p>
+            <a:r>
+              <a:rPr lang="en-US" dirty="0"/>
+              <a:t>Graphite Throat</a:t>
+            </a:r>
           </a:p>
         </p:txBody>
       </p:sp>
@@ -3566,6 +5022,207 @@
     <p:extLst>
       <p:ext uri="{BB962C8B-B14F-4D97-AF65-F5344CB8AC3E}">
         <p14:creationId xmlns:p14="http://schemas.microsoft.com/office/powerpoint/2010/main" val="1457317275"/>
+      </p:ext>
+    </p:extLst>
+  </p:cSld>
+  <p:clrMapOvr>
+    <a:masterClrMapping/>
+  </p:clrMapOvr>
+</p:sld>
+</file>
+
+<file path=ppt/slides/slide7.xml><?xml version="1.0" encoding="utf-8"?>
+<p:sld xmlns:a="http://schemas.openxmlformats.org/drawingml/2006/main" xmlns:r="http://schemas.openxmlformats.org/officeDocument/2006/relationships" xmlns:p="http://schemas.openxmlformats.org/presentationml/2006/main">
+  <p:cSld>
+    <p:spTree>
+      <p:nvGrpSpPr>
+        <p:cNvPr id="1" name=""/>
+        <p:cNvGrpSpPr/>
+        <p:nvPr/>
+      </p:nvGrpSpPr>
+      <p:grpSpPr>
+        <a:xfrm>
+          <a:off x="0" y="0"/>
+          <a:ext cx="0" cy="0"/>
+          <a:chOff x="0" y="0"/>
+          <a:chExt cx="0" cy="0"/>
+        </a:xfrm>
+      </p:grpSpPr>
+      <p:sp>
+        <p:nvSpPr>
+          <p:cNvPr id="2" name="Title 1"/>
+          <p:cNvSpPr>
+            <a:spLocks noGrp="1"/>
+          </p:cNvSpPr>
+          <p:nvPr>
+            <p:ph type="title"/>
+          </p:nvPr>
+        </p:nvSpPr>
+        <p:spPr/>
+        <p:txBody>
+          <a:bodyPr/>
+          <a:lstStyle/>
+          <a:p>
+            <a:r>
+              <a:rPr lang="en-US" dirty="0"/>
+              <a:t>Risks</a:t>
+            </a:r>
+          </a:p>
+        </p:txBody>
+      </p:sp>
+      <p:sp>
+        <p:nvSpPr>
+          <p:cNvPr id="3" name="Content Placeholder 2"/>
+          <p:cNvSpPr>
+            <a:spLocks noGrp="1"/>
+          </p:cNvSpPr>
+          <p:nvPr>
+            <p:ph idx="1"/>
+          </p:nvPr>
+        </p:nvSpPr>
+        <p:spPr/>
+        <p:txBody>
+          <a:bodyPr/>
+          <a:lstStyle/>
+          <a:p>
+            <a:endParaRPr lang="en-US" dirty="0"/>
+          </a:p>
+        </p:txBody>
+      </p:sp>
+    </p:spTree>
+    <p:extLst>
+      <p:ext uri="{BB962C8B-B14F-4D97-AF65-F5344CB8AC3E}">
+        <p14:creationId xmlns:p14="http://schemas.microsoft.com/office/powerpoint/2010/main" val="1085149507"/>
+      </p:ext>
+    </p:extLst>
+  </p:cSld>
+  <p:clrMapOvr>
+    <a:masterClrMapping/>
+  </p:clrMapOvr>
+</p:sld>
+</file>
+
+<file path=ppt/slides/slide8.xml><?xml version="1.0" encoding="utf-8"?>
+<p:sld xmlns:a="http://schemas.openxmlformats.org/drawingml/2006/main" xmlns:r="http://schemas.openxmlformats.org/officeDocument/2006/relationships" xmlns:p="http://schemas.openxmlformats.org/presentationml/2006/main">
+  <p:cSld>
+    <p:spTree>
+      <p:nvGrpSpPr>
+        <p:cNvPr id="1" name=""/>
+        <p:cNvGrpSpPr/>
+        <p:nvPr/>
+      </p:nvGrpSpPr>
+      <p:grpSpPr>
+        <a:xfrm>
+          <a:off x="0" y="0"/>
+          <a:ext cx="0" cy="0"/>
+          <a:chOff x="0" y="0"/>
+          <a:chExt cx="0" cy="0"/>
+        </a:xfrm>
+      </p:grpSpPr>
+      <p:sp>
+        <p:nvSpPr>
+          <p:cNvPr id="2" name="Title 1"/>
+          <p:cNvSpPr>
+            <a:spLocks noGrp="1"/>
+          </p:cNvSpPr>
+          <p:nvPr>
+            <p:ph type="title"/>
+          </p:nvPr>
+        </p:nvSpPr>
+        <p:spPr/>
+        <p:txBody>
+          <a:bodyPr/>
+          <a:lstStyle/>
+          <a:p>
+            <a:r>
+              <a:rPr lang="en-US" dirty="0"/>
+              <a:t>Q &amp; A</a:t>
+            </a:r>
+          </a:p>
+        </p:txBody>
+      </p:sp>
+    </p:spTree>
+    <p:extLst>
+      <p:ext uri="{BB962C8B-B14F-4D97-AF65-F5344CB8AC3E}">
+        <p14:creationId xmlns:p14="http://schemas.microsoft.com/office/powerpoint/2010/main" val="478554416"/>
+      </p:ext>
+    </p:extLst>
+  </p:cSld>
+  <p:clrMapOvr>
+    <a:masterClrMapping/>
+  </p:clrMapOvr>
+</p:sld>
+</file>
+
+<file path=ppt/slides/slide9.xml><?xml version="1.0" encoding="utf-8"?>
+<p:sld xmlns:a="http://schemas.openxmlformats.org/drawingml/2006/main" xmlns:r="http://schemas.openxmlformats.org/officeDocument/2006/relationships" xmlns:p="http://schemas.openxmlformats.org/presentationml/2006/main">
+  <p:cSld>
+    <p:spTree>
+      <p:nvGrpSpPr>
+        <p:cNvPr id="1" name=""/>
+        <p:cNvGrpSpPr/>
+        <p:nvPr/>
+      </p:nvGrpSpPr>
+      <p:grpSpPr>
+        <a:xfrm>
+          <a:off x="0" y="0"/>
+          <a:ext cx="0" cy="0"/>
+          <a:chOff x="0" y="0"/>
+          <a:chExt cx="0" cy="0"/>
+        </a:xfrm>
+      </p:grpSpPr>
+      <p:sp>
+        <p:nvSpPr>
+          <p:cNvPr id="2" name="Rectangle 1"/>
+          <p:cNvSpPr/>
+          <p:nvPr/>
+        </p:nvSpPr>
+        <p:spPr>
+          <a:xfrm>
+            <a:off x="0" y="0"/>
+            <a:ext cx="12192000" cy="6858000"/>
+          </a:xfrm>
+          <a:prstGeom prst="rect">
+            <a:avLst/>
+          </a:prstGeom>
+          <a:solidFill>
+            <a:schemeClr val="tx1"/>
+          </a:solidFill>
+        </p:spPr>
+        <p:style>
+          <a:lnRef idx="2">
+            <a:schemeClr val="accent1">
+              <a:shade val="50000"/>
+            </a:schemeClr>
+          </a:lnRef>
+          <a:fillRef idx="1">
+            <a:schemeClr val="accent1"/>
+          </a:fillRef>
+          <a:effectRef idx="0">
+            <a:schemeClr val="accent1"/>
+          </a:effectRef>
+          <a:fontRef idx="minor">
+            <a:schemeClr val="lt1"/>
+          </a:fontRef>
+        </p:style>
+        <p:txBody>
+          <a:bodyPr rtlCol="0" anchor="ctr"/>
+          <a:lstStyle/>
+          <a:p>
+            <a:pPr algn="ctr"/>
+            <a:r>
+              <a:rPr lang="en-US" sz="6600" dirty="0">
+                <a:latin typeface="+mj-lt"/>
+              </a:rPr>
+              <a:t>BACKUP SLIDES</a:t>
+            </a:r>
+          </a:p>
+        </p:txBody>
+      </p:sp>
+    </p:spTree>
+    <p:extLst>
+      <p:ext uri="{BB962C8B-B14F-4D97-AF65-F5344CB8AC3E}">
+        <p14:creationId xmlns:p14="http://schemas.microsoft.com/office/powerpoint/2010/main" val="436558052"/>
       </p:ext>
     </p:extLst>
   </p:cSld>

--- a/Projects/Nozzle_Optimization/Experimental Solid Rocket Nozzle.pptx
+++ b/Projects/Nozzle_Optimization/Experimental Solid Rocket Nozzle.pptx
@@ -4473,7 +4473,7 @@
           <a:p>
             <a:r>
               <a:rPr lang="en-US" dirty="0"/>
-              <a:t>Nozzle Design</a:t>
+              <a:t>Nozzle Overview</a:t>
             </a:r>
           </a:p>
         </p:txBody>
@@ -4510,13 +4510,15 @@
       <p:cxnSp>
         <p:nvCxnSpPr>
           <p:cNvPr id="6" name="Straight Arrow Connector 5"/>
-          <p:cNvCxnSpPr/>
+          <p:cNvCxnSpPr>
+            <a:stCxn id="10" idx="3"/>
+          </p:cNvCxnSpPr>
           <p:nvPr/>
         </p:nvCxnSpPr>
         <p:spPr>
-          <a:xfrm flipV="1">
-            <a:off x="4511842" y="1925054"/>
-            <a:ext cx="2189747" cy="12030"/>
+          <a:xfrm>
+            <a:off x="5247208" y="1824894"/>
+            <a:ext cx="1454381" cy="100160"/>
           </a:xfrm>
           <a:prstGeom prst="straightConnector1">
             <a:avLst/>
@@ -4551,7 +4553,7 @@
         </p:nvSpPr>
         <p:spPr>
           <a:xfrm>
-            <a:off x="3304928" y="1501728"/>
+            <a:off x="4140815" y="1501728"/>
             <a:ext cx="1106393" cy="646331"/>
           </a:xfrm>
           <a:prstGeom prst="rect">
@@ -4639,13 +4641,15 @@
       <p:cxnSp>
         <p:nvCxnSpPr>
           <p:cNvPr id="16" name="Straight Arrow Connector 15"/>
-          <p:cNvCxnSpPr/>
+          <p:cNvCxnSpPr>
+            <a:stCxn id="10" idx="2"/>
+          </p:cNvCxnSpPr>
           <p:nvPr/>
         </p:nvCxnSpPr>
         <p:spPr>
           <a:xfrm>
-            <a:off x="3858125" y="2185555"/>
-            <a:ext cx="3276601" cy="1588727"/>
+            <a:off x="4694012" y="2148059"/>
+            <a:ext cx="2440714" cy="1626223"/>
           </a:xfrm>
           <a:prstGeom prst="straightConnector1">
             <a:avLst/>
@@ -4872,6 +4876,35 @@
             <a:r>
               <a:rPr lang="en-US" dirty="0"/>
               <a:t>Graphite Throat</a:t>
+            </a:r>
+          </a:p>
+        </p:txBody>
+      </p:sp>
+      <p:sp>
+        <p:nvSpPr>
+          <p:cNvPr id="3" name="TextBox 2"/>
+          <p:cNvSpPr txBox="1"/>
+          <p:nvPr/>
+        </p:nvSpPr>
+        <p:spPr>
+          <a:xfrm>
+            <a:off x="770173" y="1426129"/>
+            <a:ext cx="2336854" cy="923330"/>
+          </a:xfrm>
+          <a:prstGeom prst="rect">
+            <a:avLst/>
+          </a:prstGeom>
+          <a:noFill/>
+        </p:spPr>
+        <p:txBody>
+          <a:bodyPr wrap="square" rtlCol="0">
+            <a:spAutoFit/>
+          </a:bodyPr>
+          <a:lstStyle/>
+          <a:p>
+            <a:r>
+              <a:rPr lang="en-US" dirty="0"/>
+              <a:t>Nozzle for High-powered Experimental Rockets</a:t>
             </a:r>
           </a:p>
         </p:txBody>

--- a/Projects/Nozzle_Optimization/Experimental Solid Rocket Nozzle.pptx
+++ b/Projects/Nozzle_Optimization/Experimental Solid Rocket Nozzle.pptx
@@ -9,12 +9,14 @@
     <p:sldId id="257" r:id="rId3"/>
     <p:sldId id="258" r:id="rId4"/>
     <p:sldId id="259" r:id="rId5"/>
-    <p:sldId id="260" r:id="rId6"/>
-    <p:sldId id="261" r:id="rId7"/>
-    <p:sldId id="262" r:id="rId8"/>
-    <p:sldId id="263" r:id="rId9"/>
-    <p:sldId id="265" r:id="rId10"/>
-    <p:sldId id="264" r:id="rId11"/>
+    <p:sldId id="266" r:id="rId6"/>
+    <p:sldId id="260" r:id="rId7"/>
+    <p:sldId id="261" r:id="rId8"/>
+    <p:sldId id="267" r:id="rId9"/>
+    <p:sldId id="262" r:id="rId10"/>
+    <p:sldId id="263" r:id="rId11"/>
+    <p:sldId id="265" r:id="rId12"/>
+    <p:sldId id="264" r:id="rId13"/>
   </p:sldIdLst>
   <p:sldSz cx="12192000" cy="6858000"/>
   <p:notesSz cx="6858000" cy="9144000"/>
@@ -126,8 +128,10 @@
         <p14:section name="Nozzle Design" id="{08ACA365-0001-425F-B833-3DD46804E241}">
           <p14:sldIdLst>
             <p14:sldId id="259"/>
+            <p14:sldId id="266"/>
             <p14:sldId id="260"/>
             <p14:sldId id="261"/>
+            <p14:sldId id="267"/>
             <p14:sldId id="262"/>
             <p14:sldId id="263"/>
           </p14:sldIdLst>
@@ -307,7 +311,7 @@
           <a:p>
             <a:fld id="{F1C5A9EC-1A78-48EA-A81E-7F2EA17A58B2}" type="datetimeFigureOut">
               <a:rPr lang="en-US" smtClean="0"/>
-              <a:t>10/31/2016</a:t>
+              <a:t>11/1/2016</a:t>
             </a:fld>
             <a:endParaRPr lang="en-US"/>
           </a:p>
@@ -580,7 +584,7 @@
           <a:p>
             <a:fld id="{F1C5A9EC-1A78-48EA-A81E-7F2EA17A58B2}" type="datetimeFigureOut">
               <a:rPr lang="en-US" smtClean="0"/>
-              <a:t>10/31/2016</a:t>
+              <a:t>11/1/2016</a:t>
             </a:fld>
             <a:endParaRPr lang="en-US"/>
           </a:p>
@@ -758,7 +762,7 @@
           <a:p>
             <a:fld id="{F1C5A9EC-1A78-48EA-A81E-7F2EA17A58B2}" type="datetimeFigureOut">
               <a:rPr lang="en-US" smtClean="0"/>
-              <a:t>10/31/2016</a:t>
+              <a:t>11/1/2016</a:t>
             </a:fld>
             <a:endParaRPr lang="en-US"/>
           </a:p>
@@ -928,7 +932,7 @@
           <a:p>
             <a:fld id="{F1C5A9EC-1A78-48EA-A81E-7F2EA17A58B2}" type="datetimeFigureOut">
               <a:rPr lang="en-US" smtClean="0"/>
-              <a:t>10/31/2016</a:t>
+              <a:t>11/1/2016</a:t>
             </a:fld>
             <a:endParaRPr lang="en-US"/>
           </a:p>
@@ -1173,7 +1177,7 @@
           <a:p>
             <a:fld id="{F1C5A9EC-1A78-48EA-A81E-7F2EA17A58B2}" type="datetimeFigureOut">
               <a:rPr lang="en-US" smtClean="0"/>
-              <a:t>10/31/2016</a:t>
+              <a:t>11/1/2016</a:t>
             </a:fld>
             <a:endParaRPr lang="en-US"/>
           </a:p>
@@ -1402,7 +1406,7 @@
           <a:p>
             <a:fld id="{F1C5A9EC-1A78-48EA-A81E-7F2EA17A58B2}" type="datetimeFigureOut">
               <a:rPr lang="en-US" smtClean="0"/>
-              <a:t>10/31/2016</a:t>
+              <a:t>11/1/2016</a:t>
             </a:fld>
             <a:endParaRPr lang="en-US"/>
           </a:p>
@@ -1766,7 +1770,7 @@
           <a:p>
             <a:fld id="{F1C5A9EC-1A78-48EA-A81E-7F2EA17A58B2}" type="datetimeFigureOut">
               <a:rPr lang="en-US" smtClean="0"/>
-              <a:t>10/31/2016</a:t>
+              <a:t>11/1/2016</a:t>
             </a:fld>
             <a:endParaRPr lang="en-US"/>
           </a:p>
@@ -1883,7 +1887,7 @@
           <a:p>
             <a:fld id="{F1C5A9EC-1A78-48EA-A81E-7F2EA17A58B2}" type="datetimeFigureOut">
               <a:rPr lang="en-US" smtClean="0"/>
-              <a:t>10/31/2016</a:t>
+              <a:t>11/1/2016</a:t>
             </a:fld>
             <a:endParaRPr lang="en-US"/>
           </a:p>
@@ -1978,7 +1982,7 @@
           <a:p>
             <a:fld id="{F1C5A9EC-1A78-48EA-A81E-7F2EA17A58B2}" type="datetimeFigureOut">
               <a:rPr lang="en-US" smtClean="0"/>
-              <a:t>10/31/2016</a:t>
+              <a:t>11/1/2016</a:t>
             </a:fld>
             <a:endParaRPr lang="en-US"/>
           </a:p>
@@ -2253,7 +2257,7 @@
           <a:p>
             <a:fld id="{F1C5A9EC-1A78-48EA-A81E-7F2EA17A58B2}" type="datetimeFigureOut">
               <a:rPr lang="en-US" smtClean="0"/>
-              <a:t>10/31/2016</a:t>
+              <a:t>11/1/2016</a:t>
             </a:fld>
             <a:endParaRPr lang="en-US"/>
           </a:p>
@@ -2508,7 +2512,7 @@
           <a:p>
             <a:fld id="{F1C5A9EC-1A78-48EA-A81E-7F2EA17A58B2}" type="datetimeFigureOut">
               <a:rPr lang="en-US" smtClean="0"/>
-              <a:t>10/31/2016</a:t>
+              <a:t>11/1/2016</a:t>
             </a:fld>
             <a:endParaRPr lang="en-US"/>
           </a:p>
@@ -3243,7 +3247,7 @@
                   </a:schemeClr>
                 </a:solidFill>
               </a:rPr>
-              <a:t>By: Cameron Flannery, Harrison Box, Nico Fassardi</a:t>
+              <a:t>By: Cameron Flannery, Harrison Box</a:t>
             </a:r>
           </a:p>
         </p:txBody>
@@ -3293,6 +3297,136 @@
           <a:bodyPr/>
           <a:lstStyle/>
           <a:p>
+            <a:r>
+              <a:rPr lang="en-US" dirty="0"/>
+              <a:t>Q &amp; A</a:t>
+            </a:r>
+          </a:p>
+        </p:txBody>
+      </p:sp>
+    </p:spTree>
+    <p:extLst>
+      <p:ext uri="{BB962C8B-B14F-4D97-AF65-F5344CB8AC3E}">
+        <p14:creationId xmlns:p14="http://schemas.microsoft.com/office/powerpoint/2010/main" val="478554416"/>
+      </p:ext>
+    </p:extLst>
+  </p:cSld>
+  <p:clrMapOvr>
+    <a:masterClrMapping/>
+  </p:clrMapOvr>
+</p:sld>
+</file>
+
+<file path=ppt/slides/slide11.xml><?xml version="1.0" encoding="utf-8"?>
+<p:sld xmlns:a="http://schemas.openxmlformats.org/drawingml/2006/main" xmlns:r="http://schemas.openxmlformats.org/officeDocument/2006/relationships" xmlns:p="http://schemas.openxmlformats.org/presentationml/2006/main">
+  <p:cSld>
+    <p:spTree>
+      <p:nvGrpSpPr>
+        <p:cNvPr id="1" name=""/>
+        <p:cNvGrpSpPr/>
+        <p:nvPr/>
+      </p:nvGrpSpPr>
+      <p:grpSpPr>
+        <a:xfrm>
+          <a:off x="0" y="0"/>
+          <a:ext cx="0" cy="0"/>
+          <a:chOff x="0" y="0"/>
+          <a:chExt cx="0" cy="0"/>
+        </a:xfrm>
+      </p:grpSpPr>
+      <p:sp>
+        <p:nvSpPr>
+          <p:cNvPr id="2" name="Rectangle 1"/>
+          <p:cNvSpPr/>
+          <p:nvPr/>
+        </p:nvSpPr>
+        <p:spPr>
+          <a:xfrm>
+            <a:off x="0" y="0"/>
+            <a:ext cx="12192000" cy="6858000"/>
+          </a:xfrm>
+          <a:prstGeom prst="rect">
+            <a:avLst/>
+          </a:prstGeom>
+          <a:solidFill>
+            <a:schemeClr val="tx1"/>
+          </a:solidFill>
+        </p:spPr>
+        <p:style>
+          <a:lnRef idx="2">
+            <a:schemeClr val="accent1">
+              <a:shade val="50000"/>
+            </a:schemeClr>
+          </a:lnRef>
+          <a:fillRef idx="1">
+            <a:schemeClr val="accent1"/>
+          </a:fillRef>
+          <a:effectRef idx="0">
+            <a:schemeClr val="accent1"/>
+          </a:effectRef>
+          <a:fontRef idx="minor">
+            <a:schemeClr val="lt1"/>
+          </a:fontRef>
+        </p:style>
+        <p:txBody>
+          <a:bodyPr rtlCol="0" anchor="ctr"/>
+          <a:lstStyle/>
+          <a:p>
+            <a:pPr algn="ctr"/>
+            <a:r>
+              <a:rPr lang="en-US" sz="6600" dirty="0">
+                <a:latin typeface="+mj-lt"/>
+              </a:rPr>
+              <a:t>BACKUP SLIDES</a:t>
+            </a:r>
+          </a:p>
+        </p:txBody>
+      </p:sp>
+    </p:spTree>
+    <p:extLst>
+      <p:ext uri="{BB962C8B-B14F-4D97-AF65-F5344CB8AC3E}">
+        <p14:creationId xmlns:p14="http://schemas.microsoft.com/office/powerpoint/2010/main" val="436558052"/>
+      </p:ext>
+    </p:extLst>
+  </p:cSld>
+  <p:clrMapOvr>
+    <a:masterClrMapping/>
+  </p:clrMapOvr>
+</p:sld>
+</file>
+
+<file path=ppt/slides/slide12.xml><?xml version="1.0" encoding="utf-8"?>
+<p:sld xmlns:a="http://schemas.openxmlformats.org/drawingml/2006/main" xmlns:r="http://schemas.openxmlformats.org/officeDocument/2006/relationships" xmlns:p="http://schemas.openxmlformats.org/presentationml/2006/main">
+  <p:cSld>
+    <p:spTree>
+      <p:nvGrpSpPr>
+        <p:cNvPr id="1" name=""/>
+        <p:cNvGrpSpPr/>
+        <p:nvPr/>
+      </p:nvGrpSpPr>
+      <p:grpSpPr>
+        <a:xfrm>
+          <a:off x="0" y="0"/>
+          <a:ext cx="0" cy="0"/>
+          <a:chOff x="0" y="0"/>
+          <a:chExt cx="0" cy="0"/>
+        </a:xfrm>
+      </p:grpSpPr>
+      <p:sp>
+        <p:nvSpPr>
+          <p:cNvPr id="2" name="Title 1"/>
+          <p:cNvSpPr>
+            <a:spLocks noGrp="1"/>
+          </p:cNvSpPr>
+          <p:nvPr>
+            <p:ph type="title"/>
+          </p:nvPr>
+        </p:nvSpPr>
+        <p:spPr/>
+        <p:txBody>
+          <a:bodyPr/>
+          <a:lstStyle/>
+          <a:p>
             <a:endParaRPr lang="en-US" dirty="0"/>
           </a:p>
         </p:txBody>
@@ -3408,6 +3542,13 @@
             <a:pPr lvl="1"/>
             <a:r>
               <a:rPr lang="en-US" dirty="0"/>
+              <a:t>Dimensions</a:t>
+            </a:r>
+          </a:p>
+          <a:p>
+            <a:pPr lvl="1"/>
+            <a:r>
+              <a:rPr lang="en-US" dirty="0"/>
               <a:t>Thermal</a:t>
             </a:r>
           </a:p>
@@ -3416,6 +3557,12 @@
             <a:r>
               <a:rPr lang="en-US" dirty="0"/>
               <a:t>Fluid Flow</a:t>
+            </a:r>
+          </a:p>
+          <a:p>
+            <a:r>
+              <a:rPr lang="en-US" dirty="0"/>
+              <a:t>Risks</a:t>
             </a:r>
           </a:p>
           <a:p>
@@ -4213,7 +4360,7 @@
           <a:p>
             <a:r>
               <a:rPr lang="en-US" dirty="0"/>
-              <a:t>16’</a:t>
+              <a:t>17’</a:t>
             </a:r>
           </a:p>
         </p:txBody>
@@ -4466,9 +4613,16 @@
             <p:ph type="title"/>
           </p:nvPr>
         </p:nvSpPr>
-        <p:spPr/>
-        <p:txBody>
-          <a:bodyPr/>
+        <p:spPr>
+          <a:xfrm>
+            <a:off x="838200" y="365125"/>
+            <a:ext cx="10515600" cy="604607"/>
+          </a:xfrm>
+        </p:spPr>
+        <p:txBody>
+          <a:bodyPr>
+            <a:normAutofit fontScale="90000"/>
+          </a:bodyPr>
           <a:lstStyle/>
           <a:p>
             <a:r>
@@ -4502,7 +4656,7 @@
         </p:blipFill>
         <p:spPr>
           <a:xfrm>
-            <a:off x="6360945" y="1272172"/>
+            <a:off x="4665310" y="1201150"/>
             <a:ext cx="3584909" cy="4351338"/>
           </a:xfrm>
         </p:spPr>
@@ -4517,7 +4671,7 @@
         </p:nvCxnSpPr>
         <p:spPr>
           <a:xfrm>
-            <a:off x="5247208" y="1824894"/>
+            <a:off x="3551573" y="1753872"/>
             <a:ext cx="1454381" cy="100160"/>
           </a:xfrm>
           <a:prstGeom prst="straightConnector1">
@@ -4553,7 +4707,7 @@
         </p:nvSpPr>
         <p:spPr>
           <a:xfrm>
-            <a:off x="4140815" y="1501728"/>
+            <a:off x="2445180" y="1430706"/>
             <a:ext cx="1106393" cy="646331"/>
           </a:xfrm>
           <a:prstGeom prst="rect">
@@ -4588,7 +4742,7 @@
         </p:nvSpPr>
         <p:spPr>
           <a:xfrm>
-            <a:off x="3416968" y="3308684"/>
+            <a:off x="1721333" y="3237662"/>
             <a:ext cx="2000804" cy="369332"/>
           </a:xfrm>
           <a:prstGeom prst="rect">
@@ -4617,7 +4771,7 @@
         </p:nvSpPr>
         <p:spPr>
           <a:xfrm>
-            <a:off x="3484625" y="3899817"/>
+            <a:off x="1788990" y="3828795"/>
             <a:ext cx="1853392" cy="369332"/>
           </a:xfrm>
           <a:prstGeom prst="rect">
@@ -4648,7 +4802,7 @@
         </p:nvCxnSpPr>
         <p:spPr>
           <a:xfrm>
-            <a:off x="4694012" y="2148059"/>
+            <a:off x="2998377" y="2077037"/>
             <a:ext cx="2440714" cy="1626223"/>
           </a:xfrm>
           <a:prstGeom prst="straightConnector1">
@@ -4684,7 +4838,7 @@
         </p:nvCxnSpPr>
         <p:spPr>
           <a:xfrm flipV="1">
-            <a:off x="5417772" y="2825461"/>
+            <a:off x="3722137" y="2754439"/>
             <a:ext cx="1428196" cy="508152"/>
           </a:xfrm>
           <a:prstGeom prst="straightConnector1">
@@ -4722,7 +4876,7 @@
         </p:nvCxnSpPr>
         <p:spPr>
           <a:xfrm>
-            <a:off x="5338017" y="4084483"/>
+            <a:off x="3642382" y="4013461"/>
             <a:ext cx="1507951" cy="0"/>
           </a:xfrm>
           <a:prstGeom prst="straightConnector1">
@@ -4758,7 +4912,7 @@
         </p:nvSpPr>
         <p:spPr>
           <a:xfrm>
-            <a:off x="3532741" y="4616479"/>
+            <a:off x="1837106" y="4545457"/>
             <a:ext cx="1630575" cy="369332"/>
           </a:xfrm>
           <a:prstGeom prst="rect">
@@ -4787,7 +4941,7 @@
         </p:nvCxnSpPr>
         <p:spPr>
           <a:xfrm>
-            <a:off x="5201658" y="4801145"/>
+            <a:off x="3506023" y="4730123"/>
             <a:ext cx="1507951" cy="0"/>
           </a:xfrm>
           <a:prstGeom prst="straightConnector1">
@@ -4823,7 +4977,7 @@
         </p:nvCxnSpPr>
         <p:spPr>
           <a:xfrm flipH="1">
-            <a:off x="8686800" y="2597735"/>
+            <a:off x="6991165" y="2526713"/>
             <a:ext cx="1756611" cy="49212"/>
           </a:xfrm>
           <a:prstGeom prst="straightConnector1">
@@ -4859,7 +5013,7 @@
         </p:nvSpPr>
         <p:spPr>
           <a:xfrm>
-            <a:off x="10173158" y="2148059"/>
+            <a:off x="8477523" y="2077037"/>
             <a:ext cx="1673600" cy="369332"/>
           </a:xfrm>
           <a:prstGeom prst="rect">
@@ -4876,35 +5030,6 @@
             <a:r>
               <a:rPr lang="en-US" dirty="0"/>
               <a:t>Graphite Throat</a:t>
-            </a:r>
-          </a:p>
-        </p:txBody>
-      </p:sp>
-      <p:sp>
-        <p:nvSpPr>
-          <p:cNvPr id="3" name="TextBox 2"/>
-          <p:cNvSpPr txBox="1"/>
-          <p:nvPr/>
-        </p:nvSpPr>
-        <p:spPr>
-          <a:xfrm>
-            <a:off x="770173" y="1426129"/>
-            <a:ext cx="2336854" cy="923330"/>
-          </a:xfrm>
-          <a:prstGeom prst="rect">
-            <a:avLst/>
-          </a:prstGeom>
-          <a:noFill/>
-        </p:spPr>
-        <p:txBody>
-          <a:bodyPr wrap="square" rtlCol="0">
-            <a:spAutoFit/>
-          </a:bodyPr>
-          <a:lstStyle/>
-          <a:p>
-            <a:r>
-              <a:rPr lang="en-US" dirty="0"/>
-              <a:t>Nozzle for High-powered Experimental Rockets</a:t>
             </a:r>
           </a:p>
         </p:txBody>
@@ -4949,32 +5074,578 @@
             <p:ph type="title"/>
           </p:nvPr>
         </p:nvSpPr>
-        <p:spPr/>
+        <p:spPr>
+          <a:xfrm>
+            <a:off x="838200" y="365125"/>
+            <a:ext cx="3622658" cy="1325563"/>
+          </a:xfrm>
+        </p:spPr>
         <p:txBody>
           <a:bodyPr/>
           <a:lstStyle/>
           <a:p>
             <a:r>
               <a:rPr lang="en-US" dirty="0"/>
-              <a:t>Nozzle Design – Thermal</a:t>
-            </a:r>
-          </a:p>
-        </p:txBody>
-      </p:sp>
-      <p:sp>
-        <p:nvSpPr>
-          <p:cNvPr id="3" name="Content Placeholder 2"/>
-          <p:cNvSpPr>
-            <a:spLocks noGrp="1"/>
-          </p:cNvSpPr>
+              <a:t>Dimensioning</a:t>
+            </a:r>
+          </a:p>
+        </p:txBody>
+      </p:sp>
+      <p:pic>
+        <p:nvPicPr>
+          <p:cNvPr id="4" name="Content Placeholder 3"/>
+          <p:cNvPicPr>
+            <a:picLocks noGrp="1" noChangeAspect="1"/>
+          </p:cNvPicPr>
           <p:nvPr>
             <p:ph idx="1"/>
           </p:nvPr>
-        </p:nvSpPr>
-        <p:spPr/>
-        <p:txBody>
-          <a:bodyPr/>
-          <a:lstStyle/>
+        </p:nvPicPr>
+        <p:blipFill>
+          <a:blip r:embed="rId2">
+            <a:extLst>
+              <a:ext uri="{28A0092B-C50C-407E-A947-70E740481C1C}">
+                <a14:useLocalDpi xmlns:a14="http://schemas.microsoft.com/office/drawing/2010/main" val="0"/>
+              </a:ext>
+            </a:extLst>
+          </a:blip>
+          <a:stretch>
+            <a:fillRect/>
+          </a:stretch>
+        </p:blipFill>
+        <p:spPr>
+          <a:xfrm>
+            <a:off x="8191965" y="1690688"/>
+            <a:ext cx="2603282" cy="3159846"/>
+          </a:xfrm>
+        </p:spPr>
+      </p:pic>
+      <p:sp>
+        <p:nvSpPr>
+          <p:cNvPr id="6" name="TextBox 5"/>
+          <p:cNvSpPr txBox="1"/>
+          <p:nvPr/>
+        </p:nvSpPr>
+        <p:spPr>
+          <a:xfrm>
+            <a:off x="780492" y="1690688"/>
+            <a:ext cx="3738075" cy="369332"/>
+          </a:xfrm>
+          <a:prstGeom prst="rect">
+            <a:avLst/>
+          </a:prstGeom>
+          <a:noFill/>
+        </p:spPr>
+        <p:txBody>
+          <a:bodyPr wrap="none" rtlCol="0">
+            <a:spAutoFit/>
+          </a:bodyPr>
+          <a:lstStyle/>
+          <a:p>
+            <a:pPr algn="ctr"/>
+            <a:r>
+              <a:rPr lang="en-US" dirty="0"/>
+              <a:t>Calculating Optimal Expansion Ratio*:</a:t>
+            </a:r>
+          </a:p>
+        </p:txBody>
+      </p:sp>
+      <p:pic>
+        <p:nvPicPr>
+          <p:cNvPr id="7" name="Picture 6"/>
+          <p:cNvPicPr>
+            <a:picLocks noChangeAspect="1"/>
+          </p:cNvPicPr>
+          <p:nvPr/>
+        </p:nvPicPr>
+        <p:blipFill>
+          <a:blip r:embed="rId3"/>
+          <a:stretch>
+            <a:fillRect/>
+          </a:stretch>
+        </p:blipFill>
+        <p:spPr>
+          <a:xfrm>
+            <a:off x="838200" y="2060020"/>
+            <a:ext cx="3986074" cy="978724"/>
+          </a:xfrm>
+          <a:prstGeom prst="rect">
+            <a:avLst/>
+          </a:prstGeom>
+        </p:spPr>
+      </p:pic>
+      <p:cxnSp>
+        <p:nvCxnSpPr>
+          <p:cNvPr id="9" name="Straight Connector 8"/>
+          <p:cNvCxnSpPr/>
+          <p:nvPr/>
+        </p:nvCxnSpPr>
+        <p:spPr>
+          <a:xfrm>
+            <a:off x="9150403" y="1356352"/>
+            <a:ext cx="2475" cy="839681"/>
+          </a:xfrm>
+          <a:prstGeom prst="line">
+            <a:avLst/>
+          </a:prstGeom>
+          <a:ln w="28575">
+            <a:solidFill>
+              <a:schemeClr val="tx1"/>
+            </a:solidFill>
+          </a:ln>
+        </p:spPr>
+        <p:style>
+          <a:lnRef idx="1">
+            <a:schemeClr val="accent1"/>
+          </a:lnRef>
+          <a:fillRef idx="0">
+            <a:schemeClr val="accent1"/>
+          </a:fillRef>
+          <a:effectRef idx="0">
+            <a:schemeClr val="accent1"/>
+          </a:effectRef>
+          <a:fontRef idx="minor">
+            <a:schemeClr val="tx1"/>
+          </a:fontRef>
+        </p:style>
+      </p:cxnSp>
+      <p:cxnSp>
+        <p:nvCxnSpPr>
+          <p:cNvPr id="10" name="Straight Connector 9"/>
+          <p:cNvCxnSpPr/>
+          <p:nvPr/>
+        </p:nvCxnSpPr>
+        <p:spPr>
+          <a:xfrm>
+            <a:off x="9758038" y="1356352"/>
+            <a:ext cx="0" cy="839681"/>
+          </a:xfrm>
+          <a:prstGeom prst="line">
+            <a:avLst/>
+          </a:prstGeom>
+          <a:ln w="28575">
+            <a:solidFill>
+              <a:schemeClr val="tx1"/>
+            </a:solidFill>
+          </a:ln>
+        </p:spPr>
+        <p:style>
+          <a:lnRef idx="1">
+            <a:schemeClr val="accent1"/>
+          </a:lnRef>
+          <a:fillRef idx="0">
+            <a:schemeClr val="accent1"/>
+          </a:fillRef>
+          <a:effectRef idx="0">
+            <a:schemeClr val="accent1"/>
+          </a:effectRef>
+          <a:fontRef idx="minor">
+            <a:schemeClr val="tx1"/>
+          </a:fontRef>
+        </p:style>
+      </p:cxnSp>
+      <p:cxnSp>
+        <p:nvCxnSpPr>
+          <p:cNvPr id="11" name="Straight Connector 10"/>
+          <p:cNvCxnSpPr/>
+          <p:nvPr/>
+        </p:nvCxnSpPr>
+        <p:spPr>
+          <a:xfrm>
+            <a:off x="8577308" y="4636706"/>
+            <a:ext cx="0" cy="641358"/>
+          </a:xfrm>
+          <a:prstGeom prst="line">
+            <a:avLst/>
+          </a:prstGeom>
+          <a:ln w="28575">
+            <a:solidFill>
+              <a:schemeClr val="tx1"/>
+            </a:solidFill>
+          </a:ln>
+        </p:spPr>
+        <p:style>
+          <a:lnRef idx="1">
+            <a:schemeClr val="accent1"/>
+          </a:lnRef>
+          <a:fillRef idx="0">
+            <a:schemeClr val="accent1"/>
+          </a:fillRef>
+          <a:effectRef idx="0">
+            <a:schemeClr val="accent1"/>
+          </a:effectRef>
+          <a:fontRef idx="minor">
+            <a:schemeClr val="tx1"/>
+          </a:fontRef>
+        </p:style>
+      </p:cxnSp>
+      <p:cxnSp>
+        <p:nvCxnSpPr>
+          <p:cNvPr id="12" name="Straight Connector 11"/>
+          <p:cNvCxnSpPr/>
+          <p:nvPr/>
+        </p:nvCxnSpPr>
+        <p:spPr>
+          <a:xfrm>
+            <a:off x="10336565" y="4636706"/>
+            <a:ext cx="0" cy="641358"/>
+          </a:xfrm>
+          <a:prstGeom prst="line">
+            <a:avLst/>
+          </a:prstGeom>
+          <a:ln w="28575">
+            <a:solidFill>
+              <a:schemeClr val="tx1"/>
+            </a:solidFill>
+          </a:ln>
+        </p:spPr>
+        <p:style>
+          <a:lnRef idx="1">
+            <a:schemeClr val="accent1"/>
+          </a:lnRef>
+          <a:fillRef idx="0">
+            <a:schemeClr val="accent1"/>
+          </a:fillRef>
+          <a:effectRef idx="0">
+            <a:schemeClr val="accent1"/>
+          </a:effectRef>
+          <a:fontRef idx="minor">
+            <a:schemeClr val="tx1"/>
+          </a:fontRef>
+        </p:style>
+      </p:cxnSp>
+      <p:sp>
+        <p:nvSpPr>
+          <p:cNvPr id="13" name="TextBox 12"/>
+          <p:cNvSpPr txBox="1"/>
+          <p:nvPr/>
+        </p:nvSpPr>
+        <p:spPr>
+          <a:xfrm>
+            <a:off x="9150403" y="4944358"/>
+            <a:ext cx="686406" cy="369332"/>
+          </a:xfrm>
+          <a:prstGeom prst="rect">
+            <a:avLst/>
+          </a:prstGeom>
+          <a:noFill/>
+        </p:spPr>
+        <p:txBody>
+          <a:bodyPr wrap="none" rtlCol="0">
+            <a:spAutoFit/>
+          </a:bodyPr>
+          <a:lstStyle/>
+          <a:p>
+            <a:r>
+              <a:rPr lang="en-US" dirty="0"/>
+              <a:t>6.75”</a:t>
+            </a:r>
+          </a:p>
+        </p:txBody>
+      </p:sp>
+      <p:sp>
+        <p:nvSpPr>
+          <p:cNvPr id="14" name="TextBox 13"/>
+          <p:cNvSpPr txBox="1"/>
+          <p:nvPr/>
+        </p:nvSpPr>
+        <p:spPr>
+          <a:xfrm>
+            <a:off x="9150403" y="1301669"/>
+            <a:ext cx="686406" cy="369332"/>
+          </a:xfrm>
+          <a:prstGeom prst="rect">
+            <a:avLst/>
+          </a:prstGeom>
+          <a:noFill/>
+        </p:spPr>
+        <p:txBody>
+          <a:bodyPr wrap="none" rtlCol="0">
+            <a:spAutoFit/>
+          </a:bodyPr>
+          <a:lstStyle/>
+          <a:p>
+            <a:r>
+              <a:rPr lang="en-US" dirty="0"/>
+              <a:t>2.30”</a:t>
+            </a:r>
+          </a:p>
+        </p:txBody>
+      </p:sp>
+      <p:cxnSp>
+        <p:nvCxnSpPr>
+          <p:cNvPr id="18" name="Straight Arrow Connector 17"/>
+          <p:cNvCxnSpPr/>
+          <p:nvPr/>
+        </p:nvCxnSpPr>
+        <p:spPr>
+          <a:xfrm>
+            <a:off x="8577308" y="1486335"/>
+            <a:ext cx="486793" cy="0"/>
+          </a:xfrm>
+          <a:prstGeom prst="straightConnector1">
+            <a:avLst/>
+          </a:prstGeom>
+          <a:ln w="19050">
+            <a:solidFill>
+              <a:schemeClr val="tx1"/>
+            </a:solidFill>
+            <a:tailEnd type="triangle"/>
+          </a:ln>
+        </p:spPr>
+        <p:style>
+          <a:lnRef idx="1">
+            <a:schemeClr val="accent1"/>
+          </a:lnRef>
+          <a:fillRef idx="0">
+            <a:schemeClr val="accent1"/>
+          </a:fillRef>
+          <a:effectRef idx="0">
+            <a:schemeClr val="accent1"/>
+          </a:effectRef>
+          <a:fontRef idx="minor">
+            <a:schemeClr val="tx1"/>
+          </a:fontRef>
+        </p:style>
+      </p:cxnSp>
+      <p:cxnSp>
+        <p:nvCxnSpPr>
+          <p:cNvPr id="19" name="Straight Arrow Connector 18"/>
+          <p:cNvCxnSpPr/>
+          <p:nvPr/>
+        </p:nvCxnSpPr>
+        <p:spPr>
+          <a:xfrm flipH="1">
+            <a:off x="9811696" y="1486335"/>
+            <a:ext cx="433135" cy="0"/>
+          </a:xfrm>
+          <a:prstGeom prst="straightConnector1">
+            <a:avLst/>
+          </a:prstGeom>
+          <a:ln w="19050">
+            <a:solidFill>
+              <a:schemeClr val="tx1"/>
+            </a:solidFill>
+            <a:tailEnd type="triangle"/>
+          </a:ln>
+        </p:spPr>
+        <p:style>
+          <a:lnRef idx="1">
+            <a:schemeClr val="accent1"/>
+          </a:lnRef>
+          <a:fillRef idx="0">
+            <a:schemeClr val="accent1"/>
+          </a:fillRef>
+          <a:effectRef idx="0">
+            <a:schemeClr val="accent1"/>
+          </a:effectRef>
+          <a:fontRef idx="minor">
+            <a:schemeClr val="tx1"/>
+          </a:fontRef>
+        </p:style>
+      </p:cxnSp>
+      <p:sp>
+        <p:nvSpPr>
+          <p:cNvPr id="23" name="TextBox 22"/>
+          <p:cNvSpPr txBox="1"/>
+          <p:nvPr/>
+        </p:nvSpPr>
+        <p:spPr>
+          <a:xfrm>
+            <a:off x="4460858" y="5798998"/>
+            <a:ext cx="3808928" cy="584775"/>
+          </a:xfrm>
+          <a:prstGeom prst="rect">
+            <a:avLst/>
+          </a:prstGeom>
+          <a:noFill/>
+        </p:spPr>
+        <p:txBody>
+          <a:bodyPr wrap="none" rtlCol="0">
+            <a:spAutoFit/>
+          </a:bodyPr>
+          <a:lstStyle/>
+          <a:p>
+            <a:r>
+              <a:rPr lang="en-US" sz="1600" dirty="0"/>
+              <a:t>*equation from </a:t>
+            </a:r>
+            <a:r>
+              <a:rPr lang="en-US" sz="1600" i="1" dirty="0"/>
+              <a:t>Rocket Propulsion Elements</a:t>
+            </a:r>
+          </a:p>
+          <a:p>
+            <a:r>
+              <a:rPr lang="en-US" sz="1600" dirty="0"/>
+              <a:t>** at sea-level</a:t>
+            </a:r>
+          </a:p>
+        </p:txBody>
+      </p:sp>
+      <p:cxnSp>
+        <p:nvCxnSpPr>
+          <p:cNvPr id="24" name="Straight Arrow Connector 23"/>
+          <p:cNvCxnSpPr/>
+          <p:nvPr/>
+        </p:nvCxnSpPr>
+        <p:spPr>
+          <a:xfrm>
+            <a:off x="9784866" y="5117877"/>
+            <a:ext cx="486793" cy="0"/>
+          </a:xfrm>
+          <a:prstGeom prst="straightConnector1">
+            <a:avLst/>
+          </a:prstGeom>
+          <a:ln w="19050">
+            <a:solidFill>
+              <a:schemeClr val="tx1"/>
+            </a:solidFill>
+            <a:tailEnd type="triangle"/>
+          </a:ln>
+        </p:spPr>
+        <p:style>
+          <a:lnRef idx="1">
+            <a:schemeClr val="accent1"/>
+          </a:lnRef>
+          <a:fillRef idx="0">
+            <a:schemeClr val="accent1"/>
+          </a:fillRef>
+          <a:effectRef idx="0">
+            <a:schemeClr val="accent1"/>
+          </a:effectRef>
+          <a:fontRef idx="minor">
+            <a:schemeClr val="tx1"/>
+          </a:fontRef>
+        </p:style>
+      </p:cxnSp>
+      <p:cxnSp>
+        <p:nvCxnSpPr>
+          <p:cNvPr id="25" name="Straight Arrow Connector 24"/>
+          <p:cNvCxnSpPr/>
+          <p:nvPr/>
+        </p:nvCxnSpPr>
+        <p:spPr>
+          <a:xfrm flipH="1">
+            <a:off x="8717268" y="5129024"/>
+            <a:ext cx="433135" cy="0"/>
+          </a:xfrm>
+          <a:prstGeom prst="straightConnector1">
+            <a:avLst/>
+          </a:prstGeom>
+          <a:ln w="19050">
+            <a:solidFill>
+              <a:schemeClr val="tx1"/>
+            </a:solidFill>
+            <a:tailEnd type="triangle"/>
+          </a:ln>
+        </p:spPr>
+        <p:style>
+          <a:lnRef idx="1">
+            <a:schemeClr val="accent1"/>
+          </a:lnRef>
+          <a:fillRef idx="0">
+            <a:schemeClr val="accent1"/>
+          </a:fillRef>
+          <a:effectRef idx="0">
+            <a:schemeClr val="accent1"/>
+          </a:effectRef>
+          <a:fontRef idx="minor">
+            <a:schemeClr val="tx1"/>
+          </a:fontRef>
+        </p:style>
+      </p:cxnSp>
+      <p:sp>
+        <p:nvSpPr>
+          <p:cNvPr id="26" name="TextBox 25"/>
+          <p:cNvSpPr txBox="1"/>
+          <p:nvPr/>
+        </p:nvSpPr>
+        <p:spPr>
+          <a:xfrm>
+            <a:off x="926773" y="3085945"/>
+            <a:ext cx="5483681" cy="646331"/>
+          </a:xfrm>
+          <a:prstGeom prst="rect">
+            <a:avLst/>
+          </a:prstGeom>
+          <a:noFill/>
+        </p:spPr>
+        <p:txBody>
+          <a:bodyPr wrap="none" rtlCol="0">
+            <a:spAutoFit/>
+          </a:bodyPr>
+          <a:lstStyle/>
+          <a:p>
+            <a:r>
+              <a:rPr lang="en-US" dirty="0"/>
+              <a:t>Ideal**: 3.1 – </a:t>
+            </a:r>
+            <a:r>
+              <a:rPr lang="en-US" sz="1600" dirty="0"/>
+              <a:t>calculated with combustion products properties</a:t>
+            </a:r>
+            <a:endParaRPr lang="en-US" dirty="0"/>
+          </a:p>
+          <a:p>
+            <a:r>
+              <a:rPr lang="en-US" dirty="0"/>
+              <a:t>Actual: 2.934</a:t>
+            </a:r>
+          </a:p>
+        </p:txBody>
+      </p:sp>
+      <p:sp>
+        <p:nvSpPr>
+          <p:cNvPr id="27" name="TextBox 26"/>
+          <p:cNvSpPr txBox="1"/>
+          <p:nvPr/>
+        </p:nvSpPr>
+        <p:spPr>
+          <a:xfrm>
+            <a:off x="926773" y="3918375"/>
+            <a:ext cx="5491782" cy="1754326"/>
+          </a:xfrm>
+          <a:prstGeom prst="rect">
+            <a:avLst/>
+          </a:prstGeom>
+          <a:noFill/>
+        </p:spPr>
+        <p:txBody>
+          <a:bodyPr wrap="square" rtlCol="0">
+            <a:spAutoFit/>
+          </a:bodyPr>
+          <a:lstStyle/>
+          <a:p>
+            <a:pPr marL="285750" indent="-285750">
+              <a:buFont typeface="Arial" panose="020B0604020202020204" pitchFamily="34" charset="0"/>
+              <a:buChar char="•"/>
+            </a:pPr>
+            <a:r>
+              <a:rPr lang="en-US" dirty="0"/>
+              <a:t>Under-expansion results from manufacturing capabilities.</a:t>
+            </a:r>
+          </a:p>
+          <a:p>
+            <a:pPr marL="285750" indent="-285750">
+              <a:buFont typeface="Arial" panose="020B0604020202020204" pitchFamily="34" charset="0"/>
+              <a:buChar char="•"/>
+            </a:pPr>
+            <a:r>
+              <a:rPr lang="en-US" dirty="0"/>
+              <a:t>Exact impact on performance is difficult to calculate due to liquid combustion products (Al)</a:t>
+            </a:r>
+          </a:p>
+          <a:p>
+            <a:pPr marL="285750" indent="-285750">
+              <a:buFont typeface="Arial" panose="020B0604020202020204" pitchFamily="34" charset="0"/>
+              <a:buChar char="•"/>
+            </a:pPr>
+            <a:r>
+              <a:rPr lang="en-US" dirty="0"/>
+              <a:t>Performance decrease of ~5%  expected</a:t>
+            </a:r>
+          </a:p>
           <a:p>
             <a:endParaRPr lang="en-US" dirty="0"/>
           </a:p>
@@ -4983,7 +5654,7 @@
     </p:spTree>
     <p:extLst>
       <p:ext uri="{BB962C8B-B14F-4D97-AF65-F5344CB8AC3E}">
-        <p14:creationId xmlns:p14="http://schemas.microsoft.com/office/powerpoint/2010/main" val="3130598880"/>
+        <p14:creationId xmlns:p14="http://schemas.microsoft.com/office/powerpoint/2010/main" val="1589880680"/>
       </p:ext>
     </p:extLst>
   </p:cSld>
@@ -5020,41 +5691,199 @@
             <p:ph type="title"/>
           </p:nvPr>
         </p:nvSpPr>
-        <p:spPr/>
-        <p:txBody>
-          <a:bodyPr/>
+        <p:spPr>
+          <a:xfrm>
+            <a:off x="838200" y="365126"/>
+            <a:ext cx="10515600" cy="629174"/>
+          </a:xfrm>
+        </p:spPr>
+        <p:txBody>
+          <a:bodyPr>
+            <a:normAutofit fontScale="90000"/>
+          </a:bodyPr>
           <a:lstStyle/>
           <a:p>
             <a:r>
               <a:rPr lang="en-US" dirty="0"/>
-              <a:t>Nozzle Design – Fluid Flow</a:t>
-            </a:r>
-          </a:p>
-        </p:txBody>
-      </p:sp>
-      <p:sp>
-        <p:nvSpPr>
-          <p:cNvPr id="3" name="Content Placeholder 2"/>
-          <p:cNvSpPr>
-            <a:spLocks noGrp="1"/>
-          </p:cNvSpPr>
-          <p:nvPr>
-            <p:ph idx="1"/>
-          </p:nvPr>
-        </p:nvSpPr>
-        <p:spPr/>
-        <p:txBody>
-          <a:bodyPr/>
-          <a:lstStyle/>
-          <a:p>
-            <a:endParaRPr lang="en-US" dirty="0"/>
+              <a:t>Nozzle Design – Stresses</a:t>
+            </a:r>
+          </a:p>
+        </p:txBody>
+      </p:sp>
+      <mc:AlternateContent xmlns:mc="http://schemas.openxmlformats.org/markup-compatibility/2006">
+        <mc:Choice xmlns:a14="http://schemas.microsoft.com/office/drawing/2010/main" Requires="a14">
+          <p:sp>
+            <p:nvSpPr>
+              <p:cNvPr id="3" name="Content Placeholder 2"/>
+              <p:cNvSpPr>
+                <a:spLocks noGrp="1"/>
+              </p:cNvSpPr>
+              <p:nvPr>
+                <p:ph idx="1"/>
+              </p:nvPr>
+            </p:nvSpPr>
+            <p:spPr>
+              <a:xfrm>
+                <a:off x="6732233" y="1278387"/>
+                <a:ext cx="4746594" cy="3417900"/>
+              </a:xfrm>
+            </p:spPr>
+            <p:txBody>
+              <a:bodyPr/>
+              <a:lstStyle/>
+              <a:p>
+                <a:pPr marL="0" indent="0">
+                  <a:buNone/>
+                </a:pPr>
+                <a:r>
+                  <a:rPr lang="en-US" sz="2000" b="1" dirty="0"/>
+                  <a:t>Material Properties:</a:t>
+                </a:r>
+              </a:p>
+              <a:p>
+                <a:r>
+                  <a:rPr lang="en-US" sz="2000" b="1" dirty="0"/>
+                  <a:t>Phenolic Liner:</a:t>
+                </a:r>
+                <a:br>
+                  <a:rPr lang="en-US" sz="2000" dirty="0"/>
+                </a:br>
+                <a:r>
+                  <a:rPr lang="en-US" sz="2000" dirty="0"/>
+                  <a:t>Liner thickness; ¼”</a:t>
+                </a:r>
+              </a:p>
+              <a:p>
+                <a:r>
+                  <a:rPr lang="en-US" sz="2000" b="1" dirty="0"/>
+                  <a:t>Heat Transfer Through Phenolic Liner: </a:t>
+                </a:r>
+                <a14:m>
+                  <m:oMath xmlns:m="http://schemas.openxmlformats.org/officeDocument/2006/math">
+                    <m:r>
+                      <a:rPr lang="en-US" sz="2000" i="1" dirty="0">
+                        <a:latin typeface="Cambria Math" panose="02040503050406030204" pitchFamily="18" charset="0"/>
+                      </a:rPr>
+                      <m:t>0.15</m:t>
+                    </m:r>
+                    <m:f>
+                      <m:fPr>
+                        <m:ctrlPr>
+                          <a:rPr lang="en-US" sz="2000" i="1" dirty="0">
+                            <a:latin typeface="Cambria Math" panose="02040503050406030204" pitchFamily="18" charset="0"/>
+                          </a:rPr>
+                        </m:ctrlPr>
+                      </m:fPr>
+                      <m:num>
+                        <m:r>
+                          <a:rPr lang="en-US" sz="2000" i="1" dirty="0">
+                            <a:latin typeface="Cambria Math" panose="02040503050406030204" pitchFamily="18" charset="0"/>
+                          </a:rPr>
+                          <m:t>𝑊</m:t>
+                        </m:r>
+                      </m:num>
+                      <m:den>
+                        <m:r>
+                          <a:rPr lang="en-US" sz="2000" i="1" dirty="0">
+                            <a:latin typeface="Cambria Math" panose="02040503050406030204" pitchFamily="18" charset="0"/>
+                          </a:rPr>
+                          <m:t>𝑚</m:t>
+                        </m:r>
+                        <m:r>
+                          <a:rPr lang="en-US" sz="2000" i="1" dirty="0">
+                            <a:latin typeface="Cambria Math" panose="02040503050406030204" pitchFamily="18" charset="0"/>
+                          </a:rPr>
+                          <m:t>∗</m:t>
+                        </m:r>
+                        <m:r>
+                          <a:rPr lang="en-US" sz="2000" i="1" dirty="0">
+                            <a:latin typeface="Cambria Math" panose="02040503050406030204" pitchFamily="18" charset="0"/>
+                          </a:rPr>
+                          <m:t>𝐾</m:t>
+                        </m:r>
+                      </m:den>
+                    </m:f>
+                  </m:oMath>
+                </a14:m>
+                <a:endParaRPr lang="en-US" sz="2000" dirty="0"/>
+              </a:p>
+              <a:p>
+                <a:endParaRPr lang="en-US" sz="2000" dirty="0"/>
+              </a:p>
+            </p:txBody>
+          </p:sp>
+        </mc:Choice>
+        <mc:Fallback>
+          <p:sp>
+            <p:nvSpPr>
+              <p:cNvPr id="3" name="Content Placeholder 2"/>
+              <p:cNvSpPr>
+                <a:spLocks noGrp="1" noRot="1" noChangeAspect="1" noMove="1" noResize="1" noEditPoints="1" noAdjustHandles="1" noChangeArrowheads="1" noChangeShapeType="1" noTextEdit="1"/>
+              </p:cNvSpPr>
+              <p:nvPr>
+                <p:ph idx="1"/>
+              </p:nvPr>
+            </p:nvSpPr>
+            <p:spPr>
+              <a:xfrm>
+                <a:off x="6732233" y="1278387"/>
+                <a:ext cx="4746594" cy="3417900"/>
+              </a:xfrm>
+              <a:blipFill>
+                <a:blip r:embed="rId2"/>
+                <a:stretch>
+                  <a:fillRect l="-1284" t="-1964"/>
+                </a:stretch>
+              </a:blipFill>
+            </p:spPr>
+            <p:txBody>
+              <a:bodyPr/>
+              <a:lstStyle/>
+              <a:p>
+                <a:r>
+                  <a:rPr lang="en-US">
+                    <a:noFill/>
+                  </a:rPr>
+                  <a:t> </a:t>
+                </a:r>
+              </a:p>
+            </p:txBody>
+          </p:sp>
+        </mc:Fallback>
+      </mc:AlternateContent>
+      <p:sp>
+        <p:nvSpPr>
+          <p:cNvPr id="7" name="TextBox 6"/>
+          <p:cNvSpPr txBox="1"/>
+          <p:nvPr/>
+        </p:nvSpPr>
+        <p:spPr>
+          <a:xfrm>
+            <a:off x="838200" y="1376038"/>
+            <a:ext cx="1417568" cy="369332"/>
+          </a:xfrm>
+          <a:prstGeom prst="rect">
+            <a:avLst/>
+          </a:prstGeom>
+          <a:noFill/>
+        </p:spPr>
+        <p:txBody>
+          <a:bodyPr wrap="none" rtlCol="0">
+            <a:spAutoFit/>
+          </a:bodyPr>
+          <a:lstStyle/>
+          <a:p>
+            <a:r>
+              <a:rPr lang="en-US" dirty="0"/>
+              <a:t>Hoop Stress:</a:t>
+            </a:r>
           </a:p>
         </p:txBody>
       </p:sp>
     </p:spTree>
     <p:extLst>
       <p:ext uri="{BB962C8B-B14F-4D97-AF65-F5344CB8AC3E}">
-        <p14:creationId xmlns:p14="http://schemas.microsoft.com/office/powerpoint/2010/main" val="1457317275"/>
+        <p14:creationId xmlns:p14="http://schemas.microsoft.com/office/powerpoint/2010/main" val="3130598880"/>
       </p:ext>
     </p:extLst>
   </p:cSld>
@@ -5098,7 +5927,7 @@
           <a:p>
             <a:r>
               <a:rPr lang="en-US" dirty="0"/>
-              <a:t>Risks</a:t>
+              <a:t>Nozzle Design – Fluid Flow</a:t>
             </a:r>
           </a:p>
         </p:txBody>
@@ -5113,19 +5942,71 @@
             <p:ph idx="1"/>
           </p:nvPr>
         </p:nvSpPr>
-        <p:spPr/>
+        <p:spPr>
+          <a:xfrm>
+            <a:off x="838200" y="1825625"/>
+            <a:ext cx="10515600" cy="3492099"/>
+          </a:xfrm>
+        </p:spPr>
         <p:txBody>
           <a:bodyPr/>
           <a:lstStyle/>
           <a:p>
-            <a:endParaRPr lang="en-US" dirty="0"/>
+            <a:pPr marL="0" indent="0">
+              <a:buNone/>
+            </a:pPr>
+            <a:r>
+              <a:rPr lang="en-US" dirty="0"/>
+              <a:t>Aim:</a:t>
+            </a:r>
+          </a:p>
+          <a:p>
+            <a:r>
+              <a:rPr lang="en-US" dirty="0"/>
+              <a:t>Prevent cavitation</a:t>
+            </a:r>
+          </a:p>
+          <a:p>
+            <a:r>
+              <a:rPr lang="en-US" dirty="0"/>
+              <a:t>Prevent separation of flow</a:t>
+            </a:r>
+          </a:p>
+          <a:p>
+            <a:pPr marL="0" indent="0">
+              <a:buNone/>
+            </a:pPr>
+            <a:r>
+              <a:rPr lang="en-US" dirty="0"/>
+              <a:t>Analysis:</a:t>
+            </a:r>
+          </a:p>
+          <a:p>
+            <a:r>
+              <a:rPr lang="en-US" dirty="0"/>
+              <a:t>CFD with ANSYS</a:t>
+            </a:r>
+          </a:p>
+          <a:p>
+            <a:pPr lvl="1"/>
+            <a:r>
+              <a:rPr lang="en-US" dirty="0"/>
+              <a:t>Assumes gaseous combustion products</a:t>
+            </a:r>
+          </a:p>
+          <a:p>
+            <a:pPr lvl="1"/>
+            <a:r>
+              <a:rPr lang="en-US" dirty="0"/>
+              <a:t>Results in approximately 10% error due to aluminum in propellant</a:t>
+            </a:r>
           </a:p>
         </p:txBody>
       </p:sp>
     </p:spTree>
     <p:extLst>
       <p:ext uri="{BB962C8B-B14F-4D97-AF65-F5344CB8AC3E}">
-        <p14:creationId xmlns:p14="http://schemas.microsoft.com/office/powerpoint/2010/main" val="1085149507"/>
+        <p14:creationId xmlns:p14="http://schemas.microsoft.com/office/powerpoint/2010/main" val="1457317275"/>
       </p:ext>
     </p:extLst>
   </p:cSld>
@@ -5162,22 +6043,119 @@
             <p:ph type="title"/>
           </p:nvPr>
         </p:nvSpPr>
-        <p:spPr/>
+        <p:spPr>
+          <a:xfrm>
+            <a:off x="838200" y="365126"/>
+            <a:ext cx="10515600" cy="833360"/>
+          </a:xfrm>
+        </p:spPr>
         <p:txBody>
           <a:bodyPr/>
           <a:lstStyle/>
           <a:p>
             <a:r>
               <a:rPr lang="en-US" dirty="0"/>
-              <a:t>Q &amp; A</a:t>
-            </a:r>
-          </a:p>
-        </p:txBody>
-      </p:sp>
+              <a:t>Design for Manufacturability</a:t>
+            </a:r>
+          </a:p>
+        </p:txBody>
+      </p:sp>
+      <p:sp>
+        <p:nvSpPr>
+          <p:cNvPr id="3" name="Content Placeholder 2"/>
+          <p:cNvSpPr>
+            <a:spLocks noGrp="1"/>
+          </p:cNvSpPr>
+          <p:nvPr>
+            <p:ph idx="1"/>
+          </p:nvPr>
+        </p:nvSpPr>
+        <p:spPr>
+          <a:xfrm>
+            <a:off x="838200" y="1198486"/>
+            <a:ext cx="6015361" cy="4474345"/>
+          </a:xfrm>
+        </p:spPr>
+        <p:txBody>
+          <a:bodyPr/>
+          <a:lstStyle/>
+          <a:p>
+            <a:r>
+              <a:rPr lang="en-US" dirty="0"/>
+              <a:t>6061 Series Aluminum</a:t>
+            </a:r>
+          </a:p>
+          <a:p>
+            <a:r>
+              <a:rPr lang="en-US" dirty="0"/>
+              <a:t>Phenolic and graphite relatively simple to machine</a:t>
+            </a:r>
+          </a:p>
+          <a:p>
+            <a:r>
+              <a:rPr lang="en-US" dirty="0"/>
+              <a:t>Cone Nozzle:</a:t>
+            </a:r>
+          </a:p>
+          <a:p>
+            <a:pPr lvl="1"/>
+            <a:r>
+              <a:rPr lang="en-US" dirty="0"/>
+              <a:t>Easy to machine with a lathe</a:t>
+            </a:r>
+          </a:p>
+          <a:p>
+            <a:pPr lvl="1"/>
+            <a:r>
+              <a:rPr lang="en-US" dirty="0"/>
+              <a:t>No crazy contours</a:t>
+            </a:r>
+          </a:p>
+          <a:p>
+            <a:r>
+              <a:rPr lang="en-US" dirty="0"/>
+              <a:t>Drawings created with GD&amp;T for each part</a:t>
+            </a:r>
+          </a:p>
+          <a:p>
+            <a:endParaRPr lang="en-US" dirty="0"/>
+          </a:p>
+        </p:txBody>
+      </p:sp>
+      <p:pic>
+        <p:nvPicPr>
+          <p:cNvPr id="4" name="Content Placeholder 3"/>
+          <p:cNvPicPr>
+            <a:picLocks noGrp="1" noChangeAspect="1"/>
+          </p:cNvPicPr>
+          <p:nvPr/>
+        </p:nvPicPr>
+        <p:blipFill>
+          <a:blip r:embed="rId2">
+            <a:extLst>
+              <a:ext uri="{28A0092B-C50C-407E-A947-70E740481C1C}">
+                <a14:useLocalDpi xmlns:a14="http://schemas.microsoft.com/office/drawing/2010/main" val="0"/>
+              </a:ext>
+            </a:extLst>
+          </a:blip>
+          <a:stretch>
+            <a:fillRect/>
+          </a:stretch>
+        </p:blipFill>
+        <p:spPr>
+          <a:xfrm>
+            <a:off x="6984602" y="1198486"/>
+            <a:ext cx="3584909" cy="4351338"/>
+          </a:xfrm>
+          <a:prstGeom prst="rect">
+            <a:avLst/>
+          </a:prstGeom>
+        </p:spPr>
+      </p:pic>
     </p:spTree>
     <p:extLst>
       <p:ext uri="{BB962C8B-B14F-4D97-AF65-F5344CB8AC3E}">
-        <p14:creationId xmlns:p14="http://schemas.microsoft.com/office/powerpoint/2010/main" val="478554416"/>
+        <p14:creationId xmlns:p14="http://schemas.microsoft.com/office/powerpoint/2010/main" val="2204315887"/>
       </p:ext>
     </p:extLst>
   </p:cSld>
@@ -5206,56 +6184,81 @@
       </p:grpSpPr>
       <p:sp>
         <p:nvSpPr>
-          <p:cNvPr id="2" name="Rectangle 1"/>
-          <p:cNvSpPr/>
-          <p:nvPr/>
-        </p:nvSpPr>
-        <p:spPr>
-          <a:xfrm>
-            <a:off x="0" y="0"/>
-            <a:ext cx="12192000" cy="6858000"/>
-          </a:xfrm>
-          <a:prstGeom prst="rect">
-            <a:avLst/>
-          </a:prstGeom>
-          <a:solidFill>
-            <a:schemeClr val="tx1"/>
-          </a:solidFill>
-        </p:spPr>
-        <p:style>
-          <a:lnRef idx="2">
-            <a:schemeClr val="accent1">
-              <a:shade val="50000"/>
-            </a:schemeClr>
-          </a:lnRef>
-          <a:fillRef idx="1">
-            <a:schemeClr val="accent1"/>
-          </a:fillRef>
-          <a:effectRef idx="0">
-            <a:schemeClr val="accent1"/>
-          </a:effectRef>
-          <a:fontRef idx="minor">
-            <a:schemeClr val="lt1"/>
-          </a:fontRef>
-        </p:style>
-        <p:txBody>
-          <a:bodyPr rtlCol="0" anchor="ctr"/>
-          <a:lstStyle/>
-          <a:p>
-            <a:pPr algn="ctr"/>
-            <a:r>
-              <a:rPr lang="en-US" sz="6600" dirty="0">
-                <a:latin typeface="+mj-lt"/>
-              </a:rPr>
-              <a:t>BACKUP SLIDES</a:t>
-            </a:r>
+          <p:cNvPr id="2" name="Title 1"/>
+          <p:cNvSpPr>
+            <a:spLocks noGrp="1"/>
+          </p:cNvSpPr>
+          <p:nvPr>
+            <p:ph type="title"/>
+          </p:nvPr>
+        </p:nvSpPr>
+        <p:spPr>
+          <a:xfrm>
+            <a:off x="838200" y="365125"/>
+            <a:ext cx="10515600" cy="664685"/>
+          </a:xfrm>
+        </p:spPr>
+        <p:txBody>
+          <a:bodyPr>
+            <a:normAutofit fontScale="90000"/>
+          </a:bodyPr>
+          <a:lstStyle/>
+          <a:p>
+            <a:r>
+              <a:rPr lang="en-US" dirty="0"/>
+              <a:t>Risks</a:t>
+            </a:r>
+          </a:p>
+        </p:txBody>
+      </p:sp>
+      <p:sp>
+        <p:nvSpPr>
+          <p:cNvPr id="3" name="Content Placeholder 2"/>
+          <p:cNvSpPr>
+            <a:spLocks noGrp="1"/>
+          </p:cNvSpPr>
+          <p:nvPr>
+            <p:ph idx="1"/>
+          </p:nvPr>
+        </p:nvSpPr>
+        <p:spPr>
+          <a:xfrm>
+            <a:off x="838200" y="1029810"/>
+            <a:ext cx="10515600" cy="5147153"/>
+          </a:xfrm>
+        </p:spPr>
+        <p:txBody>
+          <a:bodyPr/>
+          <a:lstStyle/>
+          <a:p>
+            <a:r>
+              <a:rPr lang="en-US" dirty="0"/>
+              <a:t>Under-expansion is not quantified</a:t>
+            </a:r>
+          </a:p>
+          <a:p>
+            <a:pPr lvl="1"/>
+            <a:r>
+              <a:rPr lang="en-US" dirty="0"/>
+              <a:t>Possible solution is to perform a static fires at sea-level with different expansion ratios</a:t>
+            </a:r>
+          </a:p>
+          <a:p>
+            <a:r>
+              <a:rPr lang="en-US" dirty="0"/>
+              <a:t>Phenolic Thermal Barrier</a:t>
+            </a:r>
+          </a:p>
+          <a:p>
+            <a:pPr lvl="1"/>
+            <a:endParaRPr lang="en-US" dirty="0"/>
           </a:p>
         </p:txBody>
       </p:sp>
     </p:spTree>
     <p:extLst>
       <p:ext uri="{BB962C8B-B14F-4D97-AF65-F5344CB8AC3E}">
-        <p14:creationId xmlns:p14="http://schemas.microsoft.com/office/powerpoint/2010/main" val="436558052"/>
+        <p14:creationId xmlns:p14="http://schemas.microsoft.com/office/powerpoint/2010/main" val="1085149507"/>
       </p:ext>
     </p:extLst>
   </p:cSld>
